--- a/Speech-Recognition.pptx
+++ b/Speech-Recognition.pptx
@@ -5,7 +5,7 @@
     <p:sldMasterId id="2147483659" r:id="rId1"/>
   </p:sldMasterIdLst>
   <p:notesMasterIdLst>
-    <p:notesMasterId r:id="rId19"/>
+    <p:notesMasterId r:id="rId20"/>
   </p:notesMasterIdLst>
   <p:sldIdLst>
     <p:sldId id="256" r:id="rId2"/>
@@ -14,40 +14,41 @@
     <p:sldId id="277" r:id="rId5"/>
     <p:sldId id="279" r:id="rId6"/>
     <p:sldId id="280" r:id="rId7"/>
-    <p:sldId id="257" r:id="rId8"/>
+    <p:sldId id="290" r:id="rId8"/>
     <p:sldId id="282" r:id="rId9"/>
-    <p:sldId id="281" r:id="rId10"/>
-    <p:sldId id="260" r:id="rId11"/>
-    <p:sldId id="283" r:id="rId12"/>
-    <p:sldId id="285" r:id="rId13"/>
-    <p:sldId id="286" r:id="rId14"/>
-    <p:sldId id="287" r:id="rId15"/>
-    <p:sldId id="288" r:id="rId16"/>
-    <p:sldId id="289" r:id="rId17"/>
-    <p:sldId id="274" r:id="rId18"/>
+    <p:sldId id="291" r:id="rId10"/>
+    <p:sldId id="281" r:id="rId11"/>
+    <p:sldId id="260" r:id="rId12"/>
+    <p:sldId id="283" r:id="rId13"/>
+    <p:sldId id="285" r:id="rId14"/>
+    <p:sldId id="286" r:id="rId15"/>
+    <p:sldId id="287" r:id="rId16"/>
+    <p:sldId id="288" r:id="rId17"/>
+    <p:sldId id="289" r:id="rId18"/>
+    <p:sldId id="274" r:id="rId19"/>
   </p:sldIdLst>
   <p:sldSz cx="18288000" cy="10287000"/>
   <p:notesSz cx="6858000" cy="9144000"/>
   <p:embeddedFontLst>
     <p:embeddedFont>
       <p:font typeface="Helvetica" panose="020B0604020202020204" pitchFamily="34" charset="0"/>
-      <p:regular r:id="rId20"/>
-      <p:bold r:id="rId21"/>
-      <p:italic r:id="rId22"/>
-      <p:boldItalic r:id="rId23"/>
+      <p:regular r:id="rId21"/>
+      <p:bold r:id="rId22"/>
+      <p:italic r:id="rId23"/>
+      <p:boldItalic r:id="rId24"/>
     </p:embeddedFont>
     <p:embeddedFont>
       <p:font typeface="Montserrat" panose="00000500000000000000" pitchFamily="2" charset="0"/>
-      <p:regular r:id="rId24"/>
-      <p:bold r:id="rId25"/>
-      <p:italic r:id="rId26"/>
-      <p:boldItalic r:id="rId27"/>
+      <p:regular r:id="rId25"/>
+      <p:bold r:id="rId26"/>
+      <p:italic r:id="rId27"/>
+      <p:boldItalic r:id="rId28"/>
     </p:embeddedFont>
     <p:embeddedFont>
       <p:font typeface="Montserrat Black" panose="00000A00000000000000" pitchFamily="2" charset="0"/>
-      <p:bold r:id="rId28"/>
-      <p:italic r:id="rId29"/>
-      <p:boldItalic r:id="rId30"/>
+      <p:bold r:id="rId29"/>
+      <p:italic r:id="rId30"/>
+      <p:boldItalic r:id="rId31"/>
     </p:embeddedFont>
   </p:embeddedFontLst>
   <p:defaultTextStyle>
@@ -848,6 +849,115 @@
   <p:cSld>
     <p:spTree>
       <p:nvGrpSpPr>
+        <p:cNvPr id="1" name="Shape 148"/>
+        <p:cNvGrpSpPr/>
+        <p:nvPr/>
+      </p:nvGrpSpPr>
+      <p:grpSpPr>
+        <a:xfrm>
+          <a:off x="0" y="0"/>
+          <a:ext cx="0" cy="0"/>
+          <a:chOff x="0" y="0"/>
+          <a:chExt cx="0" cy="0"/>
+        </a:xfrm>
+      </p:grpSpPr>
+      <p:sp>
+        <p:nvSpPr>
+          <p:cNvPr id="149" name="Google Shape;149;p2:notes"/>
+          <p:cNvSpPr txBox="1">
+            <a:spLocks noGrp="1"/>
+          </p:cNvSpPr>
+          <p:nvPr>
+            <p:ph type="body" idx="1"/>
+          </p:nvPr>
+        </p:nvSpPr>
+        <p:spPr>
+          <a:xfrm>
+            <a:off x="685800" y="4343400"/>
+            <a:ext cx="5486400" cy="4114800"/>
+          </a:xfrm>
+          <a:prstGeom prst="rect">
+            <a:avLst/>
+          </a:prstGeom>
+        </p:spPr>
+        <p:txBody>
+          <a:bodyPr spcFirstLastPara="1" wrap="square" lIns="91425" tIns="91425" rIns="91425" bIns="91425" anchor="t" anchorCtr="0">
+            <a:noAutofit/>
+          </a:bodyPr>
+          <a:lstStyle/>
+          <a:p>
+            <a:pPr marL="0" lvl="0" indent="0" algn="l" rtl="0">
+              <a:spcBef>
+                <a:spcPts val="0"/>
+              </a:spcBef>
+              <a:spcAft>
+                <a:spcPts val="0"/>
+              </a:spcAft>
+              <a:buNone/>
+            </a:pPr>
+            <a:endParaRPr/>
+          </a:p>
+        </p:txBody>
+      </p:sp>
+      <p:sp>
+        <p:nvSpPr>
+          <p:cNvPr id="150" name="Google Shape;150;p2:notes"/>
+          <p:cNvSpPr>
+            <a:spLocks noGrp="1" noRot="1" noChangeAspect="1"/>
+          </p:cNvSpPr>
+          <p:nvPr>
+            <p:ph type="sldImg" idx="2"/>
+          </p:nvPr>
+        </p:nvSpPr>
+        <p:spPr>
+          <a:xfrm>
+            <a:off x="381000" y="685800"/>
+            <a:ext cx="6096000" cy="3429000"/>
+          </a:xfrm>
+          <a:custGeom>
+            <a:avLst/>
+            <a:gdLst/>
+            <a:ahLst/>
+            <a:cxnLst/>
+            <a:rect l="l" t="t" r="r" b="b"/>
+            <a:pathLst>
+              <a:path w="120000" h="120000" extrusionOk="0">
+                <a:moveTo>
+                  <a:pt x="0" y="0"/>
+                </a:moveTo>
+                <a:lnTo>
+                  <a:pt x="120000" y="0"/>
+                </a:lnTo>
+                <a:lnTo>
+                  <a:pt x="120000" y="120000"/>
+                </a:lnTo>
+                <a:lnTo>
+                  <a:pt x="0" y="120000"/>
+                </a:lnTo>
+                <a:close/>
+              </a:path>
+            </a:pathLst>
+          </a:custGeom>
+        </p:spPr>
+      </p:sp>
+    </p:spTree>
+    <p:extLst>
+      <p:ext uri="{BB962C8B-B14F-4D97-AF65-F5344CB8AC3E}">
+        <p14:creationId xmlns:p14="http://schemas.microsoft.com/office/powerpoint/2010/main" val="3187551407"/>
+      </p:ext>
+    </p:extLst>
+  </p:cSld>
+  <p:clrMapOvr>
+    <a:masterClrMapping/>
+  </p:clrMapOvr>
+</p:notes>
+</file>
+
+<file path=ppt/notesSlides/notesSlide11.xml><?xml version="1.0" encoding="utf-8"?>
+<p:notes xmlns:a="http://schemas.openxmlformats.org/drawingml/2006/main" xmlns:r="http://schemas.openxmlformats.org/officeDocument/2006/relationships" xmlns:p="http://schemas.openxmlformats.org/presentationml/2006/main" showMasterSp="0" showMasterPhAnim="0">
+  <p:cSld>
+    <p:spTree>
+      <p:nvGrpSpPr>
         <p:cNvPr id="1" name="Shape 272"/>
         <p:cNvGrpSpPr/>
         <p:nvPr/>
@@ -947,7 +1057,7 @@
 </p:notes>
 </file>
 
-<file path=ppt/notesSlides/notesSlide11.xml><?xml version="1.0" encoding="utf-8"?>
+<file path=ppt/notesSlides/notesSlide12.xml><?xml version="1.0" encoding="utf-8"?>
 <p:notes xmlns:a="http://schemas.openxmlformats.org/drawingml/2006/main" xmlns:r="http://schemas.openxmlformats.org/officeDocument/2006/relationships" xmlns:p="http://schemas.openxmlformats.org/presentationml/2006/main" showMasterSp="0" showMasterPhAnim="0">
   <p:cSld>
     <p:spTree>
@@ -1056,7 +1166,7 @@
 </p:notes>
 </file>
 
-<file path=ppt/notesSlides/notesSlide12.xml><?xml version="1.0" encoding="utf-8"?>
+<file path=ppt/notesSlides/notesSlide13.xml><?xml version="1.0" encoding="utf-8"?>
 <p:notes xmlns:a="http://schemas.openxmlformats.org/drawingml/2006/main" xmlns:r="http://schemas.openxmlformats.org/officeDocument/2006/relationships" xmlns:p="http://schemas.openxmlformats.org/presentationml/2006/main" showMasterSp="0" showMasterPhAnim="0">
   <p:cSld>
     <p:spTree>
@@ -1165,7 +1275,7 @@
 </p:notes>
 </file>
 
-<file path=ppt/notesSlides/notesSlide13.xml><?xml version="1.0" encoding="utf-8"?>
+<file path=ppt/notesSlides/notesSlide14.xml><?xml version="1.0" encoding="utf-8"?>
 <p:notes xmlns:a="http://schemas.openxmlformats.org/drawingml/2006/main" xmlns:r="http://schemas.openxmlformats.org/officeDocument/2006/relationships" xmlns:p="http://schemas.openxmlformats.org/presentationml/2006/main" showMasterSp="0" showMasterPhAnim="0">
   <p:cSld>
     <p:spTree>
@@ -1274,7 +1384,7 @@
 </p:notes>
 </file>
 
-<file path=ppt/notesSlides/notesSlide14.xml><?xml version="1.0" encoding="utf-8"?>
+<file path=ppt/notesSlides/notesSlide15.xml><?xml version="1.0" encoding="utf-8"?>
 <p:notes xmlns:a="http://schemas.openxmlformats.org/drawingml/2006/main" xmlns:r="http://schemas.openxmlformats.org/officeDocument/2006/relationships" xmlns:p="http://schemas.openxmlformats.org/presentationml/2006/main" showMasterSp="0" showMasterPhAnim="0">
   <p:cSld>
     <p:spTree>
@@ -1383,7 +1493,7 @@
 </p:notes>
 </file>
 
-<file path=ppt/notesSlides/notesSlide15.xml><?xml version="1.0" encoding="utf-8"?>
+<file path=ppt/notesSlides/notesSlide16.xml><?xml version="1.0" encoding="utf-8"?>
 <p:notes xmlns:a="http://schemas.openxmlformats.org/drawingml/2006/main" xmlns:r="http://schemas.openxmlformats.org/officeDocument/2006/relationships" xmlns:p="http://schemas.openxmlformats.org/presentationml/2006/main" showMasterSp="0" showMasterPhAnim="0">
   <p:cSld>
     <p:spTree>
@@ -1492,7 +1602,7 @@
 </p:notes>
 </file>
 
-<file path=ppt/notesSlides/notesSlide16.xml><?xml version="1.0" encoding="utf-8"?>
+<file path=ppt/notesSlides/notesSlide17.xml><?xml version="1.0" encoding="utf-8"?>
 <p:notes xmlns:a="http://schemas.openxmlformats.org/drawingml/2006/main" xmlns:r="http://schemas.openxmlformats.org/officeDocument/2006/relationships" xmlns:p="http://schemas.openxmlformats.org/presentationml/2006/main" showMasterSp="0" showMasterPhAnim="0">
   <p:cSld>
     <p:spTree>
@@ -1601,7 +1711,7 @@
 </p:notes>
 </file>
 
-<file path=ppt/notesSlides/notesSlide17.xml><?xml version="1.0" encoding="utf-8"?>
+<file path=ppt/notesSlides/notesSlide18.xml><?xml version="1.0" encoding="utf-8"?>
 <p:notes xmlns:a="http://schemas.openxmlformats.org/drawingml/2006/main" xmlns:r="http://schemas.openxmlformats.org/officeDocument/2006/relationships" xmlns:p="http://schemas.openxmlformats.org/presentationml/2006/main" showMasterSp="0" showMasterPhAnim="0">
   <p:cSld>
     <p:spTree>
@@ -2342,6 +2452,11 @@
         </p:spPr>
       </p:sp>
     </p:spTree>
+    <p:extLst>
+      <p:ext uri="{BB962C8B-B14F-4D97-AF65-F5344CB8AC3E}">
+        <p14:creationId xmlns:p14="http://schemas.microsoft.com/office/powerpoint/2010/main" val="2663499371"/>
+      </p:ext>
+    </p:extLst>
   </p:cSld>
   <p:clrMapOvr>
     <a:masterClrMapping/>
@@ -2557,7 +2672,7 @@
     </p:spTree>
     <p:extLst>
       <p:ext uri="{BB962C8B-B14F-4D97-AF65-F5344CB8AC3E}">
-        <p14:creationId xmlns:p14="http://schemas.microsoft.com/office/powerpoint/2010/main" val="3187551407"/>
+        <p14:creationId xmlns:p14="http://schemas.microsoft.com/office/powerpoint/2010/main" val="3708221477"/>
       </p:ext>
     </p:extLst>
   </p:cSld>
@@ -14543,6 +14658,1251 @@
     </p:bg>
     <p:spTree>
       <p:nvGrpSpPr>
+        <p:cNvPr id="1" name="Shape 151"/>
+        <p:cNvGrpSpPr/>
+        <p:nvPr/>
+      </p:nvGrpSpPr>
+      <p:grpSpPr>
+        <a:xfrm>
+          <a:off x="0" y="0"/>
+          <a:ext cx="0" cy="0"/>
+          <a:chOff x="0" y="0"/>
+          <a:chExt cx="0" cy="0"/>
+        </a:xfrm>
+      </p:grpSpPr>
+      <p:sp>
+        <p:nvSpPr>
+          <p:cNvPr id="160" name="Google Shape;160;p14"/>
+          <p:cNvSpPr/>
+          <p:nvPr/>
+        </p:nvSpPr>
+        <p:spPr>
+          <a:xfrm rot="7599151">
+            <a:off x="11423302" y="4022635"/>
+            <a:ext cx="14357351" cy="9368172"/>
+          </a:xfrm>
+          <a:custGeom>
+            <a:avLst/>
+            <a:gdLst/>
+            <a:ahLst/>
+            <a:cxnLst/>
+            <a:rect l="l" t="t" r="r" b="b"/>
+            <a:pathLst>
+              <a:path w="14357351" h="9368172" extrusionOk="0">
+                <a:moveTo>
+                  <a:pt x="0" y="0"/>
+                </a:moveTo>
+                <a:lnTo>
+                  <a:pt x="14357351" y="0"/>
+                </a:lnTo>
+                <a:lnTo>
+                  <a:pt x="14357351" y="9368172"/>
+                </a:lnTo>
+                <a:lnTo>
+                  <a:pt x="0" y="9368172"/>
+                </a:lnTo>
+                <a:lnTo>
+                  <a:pt x="0" y="0"/>
+                </a:lnTo>
+                <a:close/>
+              </a:path>
+            </a:pathLst>
+          </a:custGeom>
+          <a:blipFill rotWithShape="1">
+            <a:blip r:embed="rId3">
+              <a:alphaModFix amt="19999"/>
+            </a:blip>
+            <a:stretch>
+              <a:fillRect/>
+            </a:stretch>
+          </a:blipFill>
+          <a:ln>
+            <a:noFill/>
+          </a:ln>
+        </p:spPr>
+      </p:sp>
+      <p:grpSp>
+        <p:nvGrpSpPr>
+          <p:cNvPr id="164" name="Google Shape;164;p14"/>
+          <p:cNvGrpSpPr/>
+          <p:nvPr/>
+        </p:nvGrpSpPr>
+        <p:grpSpPr>
+          <a:xfrm>
+            <a:off x="12217597" y="936876"/>
+            <a:ext cx="1875026" cy="1989564"/>
+            <a:chOff x="0" y="-122432"/>
+            <a:chExt cx="2500034" cy="2652752"/>
+          </a:xfrm>
+        </p:grpSpPr>
+        <p:grpSp>
+          <p:nvGrpSpPr>
+            <p:cNvPr id="165" name="Google Shape;165;p14"/>
+            <p:cNvGrpSpPr/>
+            <p:nvPr/>
+          </p:nvGrpSpPr>
+          <p:grpSpPr>
+            <a:xfrm>
+              <a:off x="487115" y="682524"/>
+              <a:ext cx="2012919" cy="1847796"/>
+              <a:chOff x="0" y="-47625"/>
+              <a:chExt cx="812800" cy="746125"/>
+            </a:xfrm>
+          </p:grpSpPr>
+          <p:sp>
+            <p:nvSpPr>
+              <p:cNvPr id="166" name="Google Shape;166;p14"/>
+              <p:cNvSpPr/>
+              <p:nvPr/>
+            </p:nvSpPr>
+            <p:spPr>
+              <a:xfrm>
+                <a:off x="0" y="0"/>
+                <a:ext cx="812800" cy="698500"/>
+              </a:xfrm>
+              <a:custGeom>
+                <a:avLst/>
+                <a:gdLst/>
+                <a:ahLst/>
+                <a:cxnLst/>
+                <a:rect l="l" t="t" r="r" b="b"/>
+                <a:pathLst>
+                  <a:path w="812800" h="698500" extrusionOk="0">
+                    <a:moveTo>
+                      <a:pt x="812800" y="349250"/>
+                    </a:moveTo>
+                    <a:lnTo>
+                      <a:pt x="609600" y="698500"/>
+                    </a:lnTo>
+                    <a:lnTo>
+                      <a:pt x="203200" y="698500"/>
+                    </a:lnTo>
+                    <a:lnTo>
+                      <a:pt x="0" y="349250"/>
+                    </a:lnTo>
+                    <a:lnTo>
+                      <a:pt x="203200" y="0"/>
+                    </a:lnTo>
+                    <a:lnTo>
+                      <a:pt x="609600" y="0"/>
+                    </a:lnTo>
+                    <a:lnTo>
+                      <a:pt x="812800" y="349250"/>
+                    </a:lnTo>
+                    <a:close/>
+                  </a:path>
+                </a:pathLst>
+              </a:custGeom>
+              <a:solidFill>
+                <a:srgbClr val="000000">
+                  <a:alpha val="0"/>
+                </a:srgbClr>
+              </a:solidFill>
+              <a:ln w="38100" cap="sq" cmpd="sng">
+                <a:solidFill>
+                  <a:srgbClr val="FFFFFF"/>
+                </a:solidFill>
+                <a:prstDash val="solid"/>
+                <a:miter lim="8000"/>
+                <a:headEnd type="none" w="sm" len="sm"/>
+                <a:tailEnd type="none" w="sm" len="sm"/>
+              </a:ln>
+            </p:spPr>
+          </p:sp>
+          <p:sp>
+            <p:nvSpPr>
+              <p:cNvPr id="167" name="Google Shape;167;p14"/>
+              <p:cNvSpPr txBox="1"/>
+              <p:nvPr/>
+            </p:nvSpPr>
+            <p:spPr>
+              <a:xfrm>
+                <a:off x="114300" y="-47625"/>
+                <a:ext cx="584200" cy="746125"/>
+              </a:xfrm>
+              <a:prstGeom prst="rect">
+                <a:avLst/>
+              </a:prstGeom>
+              <a:noFill/>
+              <a:ln>
+                <a:noFill/>
+              </a:ln>
+            </p:spPr>
+            <p:txBody>
+              <a:bodyPr spcFirstLastPara="1" wrap="square" lIns="50800" tIns="50800" rIns="50800" bIns="50800" anchor="ctr" anchorCtr="0">
+                <a:noAutofit/>
+              </a:bodyPr>
+              <a:lstStyle/>
+              <a:p>
+                <a:pPr marL="0" marR="0" lvl="0" indent="0" algn="ctr" rtl="0">
+                  <a:lnSpc>
+                    <a:spcPct val="186611"/>
+                  </a:lnSpc>
+                  <a:spcBef>
+                    <a:spcPts val="0"/>
+                  </a:spcBef>
+                  <a:spcAft>
+                    <a:spcPts val="0"/>
+                  </a:spcAft>
+                  <a:buNone/>
+                </a:pPr>
+                <a:endParaRPr sz="1800" b="0" i="0" u="none" strike="noStrike" cap="none">
+                  <a:solidFill>
+                    <a:schemeClr val="dk1"/>
+                  </a:solidFill>
+                  <a:latin typeface="Calibri"/>
+                  <a:ea typeface="Calibri"/>
+                  <a:cs typeface="Calibri"/>
+                  <a:sym typeface="Calibri"/>
+                </a:endParaRPr>
+              </a:p>
+            </p:txBody>
+          </p:sp>
+        </p:grpSp>
+        <p:grpSp>
+          <p:nvGrpSpPr>
+            <p:cNvPr id="168" name="Google Shape;168;p14"/>
+            <p:cNvGrpSpPr/>
+            <p:nvPr/>
+          </p:nvGrpSpPr>
+          <p:grpSpPr>
+            <a:xfrm>
+              <a:off x="0" y="-122432"/>
+              <a:ext cx="2089507" cy="1918102"/>
+              <a:chOff x="0" y="-47625"/>
+              <a:chExt cx="812800" cy="746125"/>
+            </a:xfrm>
+          </p:grpSpPr>
+          <p:sp>
+            <p:nvSpPr>
+              <p:cNvPr id="169" name="Google Shape;169;p14"/>
+              <p:cNvSpPr/>
+              <p:nvPr/>
+            </p:nvSpPr>
+            <p:spPr>
+              <a:xfrm>
+                <a:off x="0" y="0"/>
+                <a:ext cx="812800" cy="698500"/>
+              </a:xfrm>
+              <a:custGeom>
+                <a:avLst/>
+                <a:gdLst/>
+                <a:ahLst/>
+                <a:cxnLst/>
+                <a:rect l="l" t="t" r="r" b="b"/>
+                <a:pathLst>
+                  <a:path w="812800" h="698500" extrusionOk="0">
+                    <a:moveTo>
+                      <a:pt x="812800" y="349250"/>
+                    </a:moveTo>
+                    <a:lnTo>
+                      <a:pt x="609600" y="698500"/>
+                    </a:lnTo>
+                    <a:lnTo>
+                      <a:pt x="203200" y="698500"/>
+                    </a:lnTo>
+                    <a:lnTo>
+                      <a:pt x="0" y="349250"/>
+                    </a:lnTo>
+                    <a:lnTo>
+                      <a:pt x="203200" y="0"/>
+                    </a:lnTo>
+                    <a:lnTo>
+                      <a:pt x="609600" y="0"/>
+                    </a:lnTo>
+                    <a:lnTo>
+                      <a:pt x="812800" y="349250"/>
+                    </a:lnTo>
+                    <a:close/>
+                  </a:path>
+                </a:pathLst>
+              </a:custGeom>
+              <a:gradFill>
+                <a:gsLst>
+                  <a:gs pos="0">
+                    <a:srgbClr val="0097B2"/>
+                  </a:gs>
+                  <a:gs pos="100000">
+                    <a:srgbClr val="7ED957"/>
+                  </a:gs>
+                </a:gsLst>
+                <a:lin ang="0" scaled="0"/>
+              </a:gradFill>
+              <a:ln>
+                <a:noFill/>
+              </a:ln>
+            </p:spPr>
+          </p:sp>
+          <p:sp>
+            <p:nvSpPr>
+              <p:cNvPr id="170" name="Google Shape;170;p14"/>
+              <p:cNvSpPr txBox="1"/>
+              <p:nvPr/>
+            </p:nvSpPr>
+            <p:spPr>
+              <a:xfrm>
+                <a:off x="114300" y="-47625"/>
+                <a:ext cx="584200" cy="746125"/>
+              </a:xfrm>
+              <a:prstGeom prst="rect">
+                <a:avLst/>
+              </a:prstGeom>
+              <a:noFill/>
+              <a:ln>
+                <a:noFill/>
+              </a:ln>
+            </p:spPr>
+            <p:txBody>
+              <a:bodyPr spcFirstLastPara="1" wrap="square" lIns="50800" tIns="50800" rIns="50800" bIns="50800" anchor="ctr" anchorCtr="0">
+                <a:noAutofit/>
+              </a:bodyPr>
+              <a:lstStyle/>
+              <a:p>
+                <a:pPr marL="0" marR="0" lvl="0" indent="0" algn="ctr" rtl="0">
+                  <a:lnSpc>
+                    <a:spcPct val="186611"/>
+                  </a:lnSpc>
+                  <a:spcBef>
+                    <a:spcPts val="0"/>
+                  </a:spcBef>
+                  <a:spcAft>
+                    <a:spcPts val="0"/>
+                  </a:spcAft>
+                  <a:buNone/>
+                </a:pPr>
+                <a:endParaRPr sz="1800" b="0" i="0" u="none" strike="noStrike" cap="none">
+                  <a:solidFill>
+                    <a:schemeClr val="dk1"/>
+                  </a:solidFill>
+                  <a:latin typeface="Calibri"/>
+                  <a:ea typeface="Calibri"/>
+                  <a:cs typeface="Calibri"/>
+                  <a:sym typeface="Calibri"/>
+                </a:endParaRPr>
+              </a:p>
+            </p:txBody>
+          </p:sp>
+        </p:grpSp>
+        <p:grpSp>
+          <p:nvGrpSpPr>
+            <p:cNvPr id="171" name="Google Shape;171;p14"/>
+            <p:cNvGrpSpPr/>
+            <p:nvPr/>
+          </p:nvGrpSpPr>
+          <p:grpSpPr>
+            <a:xfrm rot="8840484">
+              <a:off x="873587" y="682056"/>
+              <a:ext cx="395197" cy="395197"/>
+              <a:chOff x="0" y="0"/>
+              <a:chExt cx="812800" cy="812800"/>
+            </a:xfrm>
+          </p:grpSpPr>
+          <p:sp>
+            <p:nvSpPr>
+              <p:cNvPr id="172" name="Google Shape;172;p14"/>
+              <p:cNvSpPr/>
+              <p:nvPr/>
+            </p:nvSpPr>
+            <p:spPr>
+              <a:xfrm>
+                <a:off x="0" y="0"/>
+                <a:ext cx="812800" cy="812800"/>
+              </a:xfrm>
+              <a:custGeom>
+                <a:avLst/>
+                <a:gdLst/>
+                <a:ahLst/>
+                <a:cxnLst/>
+                <a:rect l="l" t="t" r="r" b="b"/>
+                <a:pathLst>
+                  <a:path w="812800" h="812800" extrusionOk="0">
+                    <a:moveTo>
+                      <a:pt x="406400" y="0"/>
+                    </a:moveTo>
+                    <a:cubicBezTo>
+                      <a:pt x="181951" y="0"/>
+                      <a:pt x="0" y="181951"/>
+                      <a:pt x="0" y="406400"/>
+                    </a:cubicBezTo>
+                    <a:cubicBezTo>
+                      <a:pt x="0" y="630849"/>
+                      <a:pt x="181951" y="812800"/>
+                      <a:pt x="406400" y="812800"/>
+                    </a:cubicBezTo>
+                    <a:cubicBezTo>
+                      <a:pt x="630849" y="812800"/>
+                      <a:pt x="812800" y="630849"/>
+                      <a:pt x="812800" y="406400"/>
+                    </a:cubicBezTo>
+                    <a:cubicBezTo>
+                      <a:pt x="812800" y="181951"/>
+                      <a:pt x="630849" y="0"/>
+                      <a:pt x="406400" y="0"/>
+                    </a:cubicBezTo>
+                    <a:close/>
+                  </a:path>
+                </a:pathLst>
+              </a:custGeom>
+              <a:solidFill>
+                <a:srgbClr val="009E52"/>
+              </a:solidFill>
+              <a:ln>
+                <a:noFill/>
+              </a:ln>
+            </p:spPr>
+            <p:txBody>
+              <a:bodyPr spcFirstLastPara="1" wrap="square" lIns="91425" tIns="91425" rIns="91425" bIns="91425" anchor="ctr" anchorCtr="0">
+                <a:noAutofit/>
+              </a:bodyPr>
+              <a:lstStyle/>
+              <a:p>
+                <a:pPr marL="0" lvl="0" indent="0" algn="l" rtl="0">
+                  <a:spcBef>
+                    <a:spcPts val="0"/>
+                  </a:spcBef>
+                  <a:spcAft>
+                    <a:spcPts val="0"/>
+                  </a:spcAft>
+                  <a:buNone/>
+                </a:pPr>
+                <a:endParaRPr/>
+              </a:p>
+            </p:txBody>
+          </p:sp>
+          <p:sp>
+            <p:nvSpPr>
+              <p:cNvPr id="173" name="Google Shape;173;p14"/>
+              <p:cNvSpPr txBox="1"/>
+              <p:nvPr/>
+            </p:nvSpPr>
+            <p:spPr>
+              <a:xfrm>
+                <a:off x="76200" y="28575"/>
+                <a:ext cx="660400" cy="708025"/>
+              </a:xfrm>
+              <a:prstGeom prst="rect">
+                <a:avLst/>
+              </a:prstGeom>
+              <a:noFill/>
+              <a:ln>
+                <a:noFill/>
+              </a:ln>
+            </p:spPr>
+            <p:txBody>
+              <a:bodyPr spcFirstLastPara="1" wrap="square" lIns="12775" tIns="12775" rIns="12775" bIns="12775" anchor="ctr" anchorCtr="0">
+                <a:noAutofit/>
+              </a:bodyPr>
+              <a:lstStyle/>
+              <a:p>
+                <a:pPr marL="0" marR="0" lvl="0" indent="0" algn="ctr" rtl="0">
+                  <a:lnSpc>
+                    <a:spcPct val="186611"/>
+                  </a:lnSpc>
+                  <a:spcBef>
+                    <a:spcPts val="0"/>
+                  </a:spcBef>
+                  <a:spcAft>
+                    <a:spcPts val="0"/>
+                  </a:spcAft>
+                  <a:buNone/>
+                </a:pPr>
+                <a:endParaRPr sz="1800" b="0" i="0" u="none" strike="noStrike" cap="none">
+                  <a:solidFill>
+                    <a:schemeClr val="dk1"/>
+                  </a:solidFill>
+                  <a:latin typeface="Calibri"/>
+                  <a:ea typeface="Calibri"/>
+                  <a:cs typeface="Calibri"/>
+                  <a:sym typeface="Calibri"/>
+                </a:endParaRPr>
+              </a:p>
+            </p:txBody>
+          </p:sp>
+        </p:grpSp>
+        <p:grpSp>
+          <p:nvGrpSpPr>
+            <p:cNvPr id="174" name="Google Shape;174;p14"/>
+            <p:cNvGrpSpPr/>
+            <p:nvPr/>
+          </p:nvGrpSpPr>
+          <p:grpSpPr>
+            <a:xfrm rot="8840484">
+              <a:off x="816146" y="505646"/>
+              <a:ext cx="232906" cy="315588"/>
+              <a:chOff x="0" y="-47625"/>
+              <a:chExt cx="635000" cy="860425"/>
+            </a:xfrm>
+          </p:grpSpPr>
+          <p:sp>
+            <p:nvSpPr>
+              <p:cNvPr id="175" name="Google Shape;175;p14"/>
+              <p:cNvSpPr/>
+              <p:nvPr/>
+            </p:nvSpPr>
+            <p:spPr>
+              <a:xfrm>
+                <a:off x="0" y="0"/>
+                <a:ext cx="635000" cy="812800"/>
+              </a:xfrm>
+              <a:custGeom>
+                <a:avLst/>
+                <a:gdLst/>
+                <a:ahLst/>
+                <a:cxnLst/>
+                <a:rect l="l" t="t" r="r" b="b"/>
+                <a:pathLst>
+                  <a:path w="635000" h="812800" extrusionOk="0">
+                    <a:moveTo>
+                      <a:pt x="635000" y="0"/>
+                    </a:moveTo>
+                    <a:lnTo>
+                      <a:pt x="635000" y="698500"/>
+                    </a:lnTo>
+                    <a:lnTo>
+                      <a:pt x="317500" y="812800"/>
+                    </a:lnTo>
+                    <a:lnTo>
+                      <a:pt x="0" y="698500"/>
+                    </a:lnTo>
+                    <a:lnTo>
+                      <a:pt x="0" y="0"/>
+                    </a:lnTo>
+                    <a:lnTo>
+                      <a:pt x="635000" y="0"/>
+                    </a:lnTo>
+                    <a:close/>
+                  </a:path>
+                </a:pathLst>
+              </a:custGeom>
+              <a:solidFill>
+                <a:srgbClr val="009E52"/>
+              </a:solidFill>
+              <a:ln>
+                <a:noFill/>
+              </a:ln>
+            </p:spPr>
+          </p:sp>
+          <p:sp>
+            <p:nvSpPr>
+              <p:cNvPr id="176" name="Google Shape;176;p14"/>
+              <p:cNvSpPr txBox="1"/>
+              <p:nvPr/>
+            </p:nvSpPr>
+            <p:spPr>
+              <a:xfrm>
+                <a:off x="0" y="-47625"/>
+                <a:ext cx="635000" cy="746125"/>
+              </a:xfrm>
+              <a:prstGeom prst="rect">
+                <a:avLst/>
+              </a:prstGeom>
+              <a:noFill/>
+              <a:ln>
+                <a:noFill/>
+              </a:ln>
+            </p:spPr>
+            <p:txBody>
+              <a:bodyPr spcFirstLastPara="1" wrap="square" lIns="12775" tIns="12775" rIns="12775" bIns="12775" anchor="ctr" anchorCtr="0">
+                <a:noAutofit/>
+              </a:bodyPr>
+              <a:lstStyle/>
+              <a:p>
+                <a:pPr marL="0" marR="0" lvl="0" indent="0" algn="ctr" rtl="0">
+                  <a:lnSpc>
+                    <a:spcPct val="186611"/>
+                  </a:lnSpc>
+                  <a:spcBef>
+                    <a:spcPts val="0"/>
+                  </a:spcBef>
+                  <a:spcAft>
+                    <a:spcPts val="0"/>
+                  </a:spcAft>
+                  <a:buNone/>
+                </a:pPr>
+                <a:endParaRPr sz="1800" b="0" i="0" u="none" strike="noStrike" cap="none">
+                  <a:solidFill>
+                    <a:schemeClr val="dk1"/>
+                  </a:solidFill>
+                  <a:latin typeface="Calibri"/>
+                  <a:ea typeface="Calibri"/>
+                  <a:cs typeface="Calibri"/>
+                  <a:sym typeface="Calibri"/>
+                </a:endParaRPr>
+              </a:p>
+            </p:txBody>
+          </p:sp>
+        </p:grpSp>
+      </p:grpSp>
+      <p:grpSp>
+        <p:nvGrpSpPr>
+          <p:cNvPr id="177" name="Google Shape;177;p14"/>
+          <p:cNvGrpSpPr/>
+          <p:nvPr/>
+        </p:nvGrpSpPr>
+        <p:grpSpPr>
+          <a:xfrm rot="-7214293">
+            <a:off x="16009774" y="8079888"/>
+            <a:ext cx="1209607" cy="1283498"/>
+            <a:chOff x="0" y="-78983"/>
+            <a:chExt cx="1612809" cy="1711331"/>
+          </a:xfrm>
+        </p:grpSpPr>
+        <p:grpSp>
+          <p:nvGrpSpPr>
+            <p:cNvPr id="178" name="Google Shape;178;p14"/>
+            <p:cNvGrpSpPr/>
+            <p:nvPr/>
+          </p:nvGrpSpPr>
+          <p:grpSpPr>
+            <a:xfrm>
+              <a:off x="314245" y="440306"/>
+              <a:ext cx="1298564" cy="1192042"/>
+              <a:chOff x="0" y="-47625"/>
+              <a:chExt cx="812800" cy="746125"/>
+            </a:xfrm>
+          </p:grpSpPr>
+          <p:sp>
+            <p:nvSpPr>
+              <p:cNvPr id="179" name="Google Shape;179;p14"/>
+              <p:cNvSpPr/>
+              <p:nvPr/>
+            </p:nvSpPr>
+            <p:spPr>
+              <a:xfrm>
+                <a:off x="0" y="0"/>
+                <a:ext cx="812800" cy="698500"/>
+              </a:xfrm>
+              <a:custGeom>
+                <a:avLst/>
+                <a:gdLst/>
+                <a:ahLst/>
+                <a:cxnLst/>
+                <a:rect l="l" t="t" r="r" b="b"/>
+                <a:pathLst>
+                  <a:path w="812800" h="698500" extrusionOk="0">
+                    <a:moveTo>
+                      <a:pt x="812800" y="349250"/>
+                    </a:moveTo>
+                    <a:lnTo>
+                      <a:pt x="609600" y="698500"/>
+                    </a:lnTo>
+                    <a:lnTo>
+                      <a:pt x="203200" y="698500"/>
+                    </a:lnTo>
+                    <a:lnTo>
+                      <a:pt x="0" y="349250"/>
+                    </a:lnTo>
+                    <a:lnTo>
+                      <a:pt x="203200" y="0"/>
+                    </a:lnTo>
+                    <a:lnTo>
+                      <a:pt x="609600" y="0"/>
+                    </a:lnTo>
+                    <a:lnTo>
+                      <a:pt x="812800" y="349250"/>
+                    </a:lnTo>
+                    <a:close/>
+                  </a:path>
+                </a:pathLst>
+              </a:custGeom>
+              <a:solidFill>
+                <a:srgbClr val="000000">
+                  <a:alpha val="0"/>
+                </a:srgbClr>
+              </a:solidFill>
+              <a:ln w="38100" cap="sq" cmpd="sng">
+                <a:solidFill>
+                  <a:srgbClr val="FFFFFF"/>
+                </a:solidFill>
+                <a:prstDash val="solid"/>
+                <a:miter lim="8000"/>
+                <a:headEnd type="none" w="sm" len="sm"/>
+                <a:tailEnd type="none" w="sm" len="sm"/>
+              </a:ln>
+            </p:spPr>
+          </p:sp>
+          <p:sp>
+            <p:nvSpPr>
+              <p:cNvPr id="180" name="Google Shape;180;p14"/>
+              <p:cNvSpPr txBox="1"/>
+              <p:nvPr/>
+            </p:nvSpPr>
+            <p:spPr>
+              <a:xfrm>
+                <a:off x="114300" y="-47625"/>
+                <a:ext cx="584200" cy="746125"/>
+              </a:xfrm>
+              <a:prstGeom prst="rect">
+                <a:avLst/>
+              </a:prstGeom>
+              <a:noFill/>
+              <a:ln>
+                <a:noFill/>
+              </a:ln>
+            </p:spPr>
+            <p:txBody>
+              <a:bodyPr spcFirstLastPara="1" wrap="square" lIns="50800" tIns="50800" rIns="50800" bIns="50800" anchor="ctr" anchorCtr="0">
+                <a:noAutofit/>
+              </a:bodyPr>
+              <a:lstStyle/>
+              <a:p>
+                <a:pPr marL="0" marR="0" lvl="0" indent="0" algn="ctr" rtl="0">
+                  <a:lnSpc>
+                    <a:spcPct val="186666"/>
+                  </a:lnSpc>
+                  <a:spcBef>
+                    <a:spcPts val="0"/>
+                  </a:spcBef>
+                  <a:spcAft>
+                    <a:spcPts val="0"/>
+                  </a:spcAft>
+                  <a:buNone/>
+                </a:pPr>
+                <a:endParaRPr sz="1800" b="0" i="0" u="none" strike="noStrike" cap="none">
+                  <a:solidFill>
+                    <a:schemeClr val="dk1"/>
+                  </a:solidFill>
+                  <a:latin typeface="Calibri"/>
+                  <a:ea typeface="Calibri"/>
+                  <a:cs typeface="Calibri"/>
+                  <a:sym typeface="Calibri"/>
+                </a:endParaRPr>
+              </a:p>
+            </p:txBody>
+          </p:sp>
+        </p:grpSp>
+        <p:grpSp>
+          <p:nvGrpSpPr>
+            <p:cNvPr id="181" name="Google Shape;181;p14"/>
+            <p:cNvGrpSpPr/>
+            <p:nvPr/>
+          </p:nvGrpSpPr>
+          <p:grpSpPr>
+            <a:xfrm>
+              <a:off x="0" y="-78983"/>
+              <a:ext cx="1347973" cy="1237397"/>
+              <a:chOff x="0" y="-47625"/>
+              <a:chExt cx="812800" cy="746125"/>
+            </a:xfrm>
+          </p:grpSpPr>
+          <p:sp>
+            <p:nvSpPr>
+              <p:cNvPr id="182" name="Google Shape;182;p14"/>
+              <p:cNvSpPr/>
+              <p:nvPr/>
+            </p:nvSpPr>
+            <p:spPr>
+              <a:xfrm>
+                <a:off x="0" y="0"/>
+                <a:ext cx="812800" cy="698500"/>
+              </a:xfrm>
+              <a:custGeom>
+                <a:avLst/>
+                <a:gdLst/>
+                <a:ahLst/>
+                <a:cxnLst/>
+                <a:rect l="l" t="t" r="r" b="b"/>
+                <a:pathLst>
+                  <a:path w="812800" h="698500" extrusionOk="0">
+                    <a:moveTo>
+                      <a:pt x="812800" y="349250"/>
+                    </a:moveTo>
+                    <a:lnTo>
+                      <a:pt x="609600" y="698500"/>
+                    </a:lnTo>
+                    <a:lnTo>
+                      <a:pt x="203200" y="698500"/>
+                    </a:lnTo>
+                    <a:lnTo>
+                      <a:pt x="0" y="349250"/>
+                    </a:lnTo>
+                    <a:lnTo>
+                      <a:pt x="203200" y="0"/>
+                    </a:lnTo>
+                    <a:lnTo>
+                      <a:pt x="609600" y="0"/>
+                    </a:lnTo>
+                    <a:lnTo>
+                      <a:pt x="812800" y="349250"/>
+                    </a:lnTo>
+                    <a:close/>
+                  </a:path>
+                </a:pathLst>
+              </a:custGeom>
+              <a:gradFill>
+                <a:gsLst>
+                  <a:gs pos="0">
+                    <a:srgbClr val="0097B2"/>
+                  </a:gs>
+                  <a:gs pos="100000">
+                    <a:srgbClr val="7ED957"/>
+                  </a:gs>
+                </a:gsLst>
+                <a:lin ang="0" scaled="0"/>
+              </a:gradFill>
+              <a:ln>
+                <a:noFill/>
+              </a:ln>
+            </p:spPr>
+          </p:sp>
+          <p:sp>
+            <p:nvSpPr>
+              <p:cNvPr id="183" name="Google Shape;183;p14"/>
+              <p:cNvSpPr txBox="1"/>
+              <p:nvPr/>
+            </p:nvSpPr>
+            <p:spPr>
+              <a:xfrm>
+                <a:off x="114300" y="-47625"/>
+                <a:ext cx="584200" cy="746125"/>
+              </a:xfrm>
+              <a:prstGeom prst="rect">
+                <a:avLst/>
+              </a:prstGeom>
+              <a:noFill/>
+              <a:ln>
+                <a:noFill/>
+              </a:ln>
+            </p:spPr>
+            <p:txBody>
+              <a:bodyPr spcFirstLastPara="1" wrap="square" lIns="50800" tIns="50800" rIns="50800" bIns="50800" anchor="ctr" anchorCtr="0">
+                <a:noAutofit/>
+              </a:bodyPr>
+              <a:lstStyle/>
+              <a:p>
+                <a:pPr marL="0" marR="0" lvl="0" indent="0" algn="ctr" rtl="0">
+                  <a:lnSpc>
+                    <a:spcPct val="186666"/>
+                  </a:lnSpc>
+                  <a:spcBef>
+                    <a:spcPts val="0"/>
+                  </a:spcBef>
+                  <a:spcAft>
+                    <a:spcPts val="0"/>
+                  </a:spcAft>
+                  <a:buNone/>
+                </a:pPr>
+                <a:endParaRPr sz="1800" b="0" i="0" u="none" strike="noStrike" cap="none">
+                  <a:solidFill>
+                    <a:schemeClr val="dk1"/>
+                  </a:solidFill>
+                  <a:latin typeface="Calibri"/>
+                  <a:ea typeface="Calibri"/>
+                  <a:cs typeface="Calibri"/>
+                  <a:sym typeface="Calibri"/>
+                </a:endParaRPr>
+              </a:p>
+            </p:txBody>
+          </p:sp>
+        </p:grpSp>
+        <p:grpSp>
+          <p:nvGrpSpPr>
+            <p:cNvPr id="184" name="Google Shape;184;p14"/>
+            <p:cNvGrpSpPr/>
+            <p:nvPr/>
+          </p:nvGrpSpPr>
+          <p:grpSpPr>
+            <a:xfrm rot="9220010">
+              <a:off x="507475" y="433726"/>
+              <a:ext cx="258304" cy="258304"/>
+              <a:chOff x="0" y="0"/>
+              <a:chExt cx="812800" cy="812800"/>
+            </a:xfrm>
+          </p:grpSpPr>
+          <p:sp>
+            <p:nvSpPr>
+              <p:cNvPr id="185" name="Google Shape;185;p14"/>
+              <p:cNvSpPr/>
+              <p:nvPr/>
+            </p:nvSpPr>
+            <p:spPr>
+              <a:xfrm>
+                <a:off x="0" y="0"/>
+                <a:ext cx="812800" cy="812800"/>
+              </a:xfrm>
+              <a:custGeom>
+                <a:avLst/>
+                <a:gdLst/>
+                <a:ahLst/>
+                <a:cxnLst/>
+                <a:rect l="l" t="t" r="r" b="b"/>
+                <a:pathLst>
+                  <a:path w="812800" h="812800" extrusionOk="0">
+                    <a:moveTo>
+                      <a:pt x="406400" y="0"/>
+                    </a:moveTo>
+                    <a:cubicBezTo>
+                      <a:pt x="181951" y="0"/>
+                      <a:pt x="0" y="181951"/>
+                      <a:pt x="0" y="406400"/>
+                    </a:cubicBezTo>
+                    <a:cubicBezTo>
+                      <a:pt x="0" y="630849"/>
+                      <a:pt x="181951" y="812800"/>
+                      <a:pt x="406400" y="812800"/>
+                    </a:cubicBezTo>
+                    <a:cubicBezTo>
+                      <a:pt x="630849" y="812800"/>
+                      <a:pt x="812800" y="630849"/>
+                      <a:pt x="812800" y="406400"/>
+                    </a:cubicBezTo>
+                    <a:cubicBezTo>
+                      <a:pt x="812800" y="181951"/>
+                      <a:pt x="630849" y="0"/>
+                      <a:pt x="406400" y="0"/>
+                    </a:cubicBezTo>
+                    <a:close/>
+                  </a:path>
+                </a:pathLst>
+              </a:custGeom>
+              <a:solidFill>
+                <a:srgbClr val="009E52"/>
+              </a:solidFill>
+              <a:ln>
+                <a:noFill/>
+              </a:ln>
+            </p:spPr>
+            <p:txBody>
+              <a:bodyPr spcFirstLastPara="1" wrap="square" lIns="91425" tIns="91425" rIns="91425" bIns="91425" anchor="ctr" anchorCtr="0">
+                <a:noAutofit/>
+              </a:bodyPr>
+              <a:lstStyle/>
+              <a:p>
+                <a:pPr marL="0" lvl="0" indent="0" algn="l" rtl="0">
+                  <a:spcBef>
+                    <a:spcPts val="0"/>
+                  </a:spcBef>
+                  <a:spcAft>
+                    <a:spcPts val="0"/>
+                  </a:spcAft>
+                  <a:buNone/>
+                </a:pPr>
+                <a:endParaRPr/>
+              </a:p>
+            </p:txBody>
+          </p:sp>
+          <p:sp>
+            <p:nvSpPr>
+              <p:cNvPr id="186" name="Google Shape;186;p14"/>
+              <p:cNvSpPr txBox="1"/>
+              <p:nvPr/>
+            </p:nvSpPr>
+            <p:spPr>
+              <a:xfrm>
+                <a:off x="76200" y="28575"/>
+                <a:ext cx="660400" cy="708025"/>
+              </a:xfrm>
+              <a:prstGeom prst="rect">
+                <a:avLst/>
+              </a:prstGeom>
+              <a:noFill/>
+              <a:ln>
+                <a:noFill/>
+              </a:ln>
+            </p:spPr>
+            <p:txBody>
+              <a:bodyPr spcFirstLastPara="1" wrap="square" lIns="12950" tIns="12950" rIns="12950" bIns="12950" anchor="ctr" anchorCtr="0">
+                <a:noAutofit/>
+              </a:bodyPr>
+              <a:lstStyle/>
+              <a:p>
+                <a:pPr marL="0" marR="0" lvl="0" indent="0" algn="ctr" rtl="0">
+                  <a:lnSpc>
+                    <a:spcPct val="186666"/>
+                  </a:lnSpc>
+                  <a:spcBef>
+                    <a:spcPts val="0"/>
+                  </a:spcBef>
+                  <a:spcAft>
+                    <a:spcPts val="0"/>
+                  </a:spcAft>
+                  <a:buNone/>
+                </a:pPr>
+                <a:endParaRPr sz="1800" b="0" i="0" u="none" strike="noStrike" cap="none">
+                  <a:solidFill>
+                    <a:schemeClr val="dk1"/>
+                  </a:solidFill>
+                  <a:latin typeface="Calibri"/>
+                  <a:ea typeface="Calibri"/>
+                  <a:cs typeface="Calibri"/>
+                  <a:sym typeface="Calibri"/>
+                </a:endParaRPr>
+              </a:p>
+            </p:txBody>
+          </p:sp>
+        </p:grpSp>
+        <p:grpSp>
+          <p:nvGrpSpPr>
+            <p:cNvPr id="187" name="Google Shape;187;p14"/>
+            <p:cNvGrpSpPr/>
+            <p:nvPr/>
+          </p:nvGrpSpPr>
+          <p:grpSpPr>
+            <a:xfrm rot="9220010">
+              <a:off x="486052" y="309304"/>
+              <a:ext cx="152229" cy="206270"/>
+              <a:chOff x="0" y="-47625"/>
+              <a:chExt cx="635000" cy="860425"/>
+            </a:xfrm>
+          </p:grpSpPr>
+          <p:sp>
+            <p:nvSpPr>
+              <p:cNvPr id="188" name="Google Shape;188;p14"/>
+              <p:cNvSpPr/>
+              <p:nvPr/>
+            </p:nvSpPr>
+            <p:spPr>
+              <a:xfrm>
+                <a:off x="0" y="0"/>
+                <a:ext cx="635000" cy="812800"/>
+              </a:xfrm>
+              <a:custGeom>
+                <a:avLst/>
+                <a:gdLst/>
+                <a:ahLst/>
+                <a:cxnLst/>
+                <a:rect l="l" t="t" r="r" b="b"/>
+                <a:pathLst>
+                  <a:path w="635000" h="812800" extrusionOk="0">
+                    <a:moveTo>
+                      <a:pt x="635000" y="0"/>
+                    </a:moveTo>
+                    <a:lnTo>
+                      <a:pt x="635000" y="698500"/>
+                    </a:lnTo>
+                    <a:lnTo>
+                      <a:pt x="317500" y="812800"/>
+                    </a:lnTo>
+                    <a:lnTo>
+                      <a:pt x="0" y="698500"/>
+                    </a:lnTo>
+                    <a:lnTo>
+                      <a:pt x="0" y="0"/>
+                    </a:lnTo>
+                    <a:lnTo>
+                      <a:pt x="635000" y="0"/>
+                    </a:lnTo>
+                    <a:close/>
+                  </a:path>
+                </a:pathLst>
+              </a:custGeom>
+              <a:solidFill>
+                <a:srgbClr val="009E52"/>
+              </a:solidFill>
+              <a:ln>
+                <a:noFill/>
+              </a:ln>
+            </p:spPr>
+          </p:sp>
+          <p:sp>
+            <p:nvSpPr>
+              <p:cNvPr id="189" name="Google Shape;189;p14"/>
+              <p:cNvSpPr txBox="1"/>
+              <p:nvPr/>
+            </p:nvSpPr>
+            <p:spPr>
+              <a:xfrm>
+                <a:off x="0" y="-47625"/>
+                <a:ext cx="635000" cy="746125"/>
+              </a:xfrm>
+              <a:prstGeom prst="rect">
+                <a:avLst/>
+              </a:prstGeom>
+              <a:noFill/>
+              <a:ln>
+                <a:noFill/>
+              </a:ln>
+            </p:spPr>
+            <p:txBody>
+              <a:bodyPr spcFirstLastPara="1" wrap="square" lIns="12950" tIns="12950" rIns="12950" bIns="12950" anchor="ctr" anchorCtr="0">
+                <a:noAutofit/>
+              </a:bodyPr>
+              <a:lstStyle/>
+              <a:p>
+                <a:pPr marL="0" marR="0" lvl="0" indent="0" algn="ctr" rtl="0">
+                  <a:lnSpc>
+                    <a:spcPct val="186666"/>
+                  </a:lnSpc>
+                  <a:spcBef>
+                    <a:spcPts val="0"/>
+                  </a:spcBef>
+                  <a:spcAft>
+                    <a:spcPts val="0"/>
+                  </a:spcAft>
+                  <a:buNone/>
+                </a:pPr>
+                <a:endParaRPr sz="1800" b="0" i="0" u="none" strike="noStrike" cap="none">
+                  <a:solidFill>
+                    <a:schemeClr val="dk1"/>
+                  </a:solidFill>
+                  <a:latin typeface="Calibri"/>
+                  <a:ea typeface="Calibri"/>
+                  <a:cs typeface="Calibri"/>
+                  <a:sym typeface="Calibri"/>
+                </a:endParaRPr>
+              </a:p>
+            </p:txBody>
+          </p:sp>
+        </p:grpSp>
+      </p:grpSp>
+      <p:sp>
+        <p:nvSpPr>
+          <p:cNvPr id="5" name="Rectangle 4">
+            <a:extLst>
+              <a:ext uri="{FF2B5EF4-FFF2-40B4-BE49-F238E27FC236}">
+                <a16:creationId xmlns:a16="http://schemas.microsoft.com/office/drawing/2014/main" id="{DAA86919-7B3F-48A2-9D11-29E0C3566760}"/>
+              </a:ext>
+            </a:extLst>
+          </p:cNvPr>
+          <p:cNvSpPr/>
+          <p:nvPr/>
+        </p:nvSpPr>
+        <p:spPr>
+          <a:xfrm>
+            <a:off x="406911" y="3190820"/>
+            <a:ext cx="13473412" cy="6001643"/>
+          </a:xfrm>
+          <a:prstGeom prst="rect">
+            <a:avLst/>
+          </a:prstGeom>
+        </p:spPr>
+        <p:txBody>
+          <a:bodyPr wrap="square">
+            <a:spAutoFit/>
+          </a:bodyPr>
+          <a:lstStyle/>
+          <a:p>
+            <a:pPr marL="685800" indent="-685800">
+              <a:buFont typeface="Arial" panose="020B0604020202020204" pitchFamily="34" charset="0"/>
+              <a:buChar char="•"/>
+            </a:pPr>
+            <a:r>
+              <a:rPr lang="en-US" sz="4800" dirty="0">
+                <a:solidFill>
+                  <a:schemeClr val="bg1"/>
+                </a:solidFill>
+              </a:rPr>
+              <a:t>Google Colab:  Use </a:t>
+            </a:r>
+            <a:r>
+              <a:rPr lang="en-US" sz="4800" dirty="0" err="1">
+                <a:solidFill>
+                  <a:schemeClr val="bg1"/>
+                </a:solidFill>
+              </a:rPr>
+              <a:t>files.upload</a:t>
+            </a:r>
+            <a:r>
+              <a:rPr lang="en-US" sz="4800" dirty="0">
+                <a:solidFill>
+                  <a:schemeClr val="bg1"/>
+                </a:solidFill>
+              </a:rPr>
+              <a:t>() to import .wav or .mp3 files.</a:t>
+            </a:r>
+          </a:p>
+          <a:p>
+            <a:pPr marL="571500" indent="-571500">
+              <a:buFont typeface="Arial" panose="020B0604020202020204" pitchFamily="34" charset="0"/>
+              <a:buChar char="•"/>
+            </a:pPr>
+            <a:r>
+              <a:rPr lang="en-US" sz="4800" dirty="0">
+                <a:solidFill>
+                  <a:schemeClr val="bg1"/>
+                </a:solidFill>
+              </a:rPr>
+              <a:t>Local Machine:  Record live audio for 5 seconds using the sound device and save as recorded.wav.</a:t>
+            </a:r>
+          </a:p>
+          <a:p>
+            <a:pPr marL="571500" indent="-571500">
+              <a:buFont typeface="Arial" panose="020B0604020202020204" pitchFamily="34" charset="0"/>
+              <a:buChar char="•"/>
+            </a:pPr>
+            <a:r>
+              <a:rPr lang="en-US" sz="4800" dirty="0">
+                <a:solidFill>
+                  <a:schemeClr val="bg1"/>
+                </a:solidFill>
+              </a:rPr>
+              <a:t>Fallback Logic: Notebook detects the environment and switches between upload and recording.</a:t>
+            </a:r>
+          </a:p>
+        </p:txBody>
+      </p:sp>
+      <p:sp>
+        <p:nvSpPr>
+          <p:cNvPr id="3" name="TextBox 2">
+            <a:extLst>
+              <a:ext uri="{FF2B5EF4-FFF2-40B4-BE49-F238E27FC236}">
+                <a16:creationId xmlns:a16="http://schemas.microsoft.com/office/drawing/2014/main" id="{FB86EAE7-1736-C505-2FBB-9A20CE0A125D}"/>
+              </a:ext>
+            </a:extLst>
+          </p:cNvPr>
+          <p:cNvSpPr txBox="1"/>
+          <p:nvPr/>
+        </p:nvSpPr>
+        <p:spPr>
+          <a:xfrm>
+            <a:off x="551949" y="1049437"/>
+            <a:ext cx="13328374" cy="2677656"/>
+          </a:xfrm>
+          <a:prstGeom prst="rect">
+            <a:avLst/>
+          </a:prstGeom>
+          <a:noFill/>
+        </p:spPr>
+        <p:txBody>
+          <a:bodyPr wrap="square">
+            <a:spAutoFit/>
+          </a:bodyPr>
+          <a:lstStyle/>
+          <a:p>
+            <a:r>
+              <a:rPr lang="en-US" sz="8400" dirty="0">
+                <a:solidFill>
+                  <a:schemeClr val="accent3"/>
+                </a:solidFill>
+              </a:rPr>
+              <a:t>Whisper Details</a:t>
+            </a:r>
+          </a:p>
+          <a:p>
+            <a:endParaRPr lang="en-US" sz="8400" dirty="0">
+              <a:solidFill>
+                <a:schemeClr val="accent3"/>
+              </a:solidFill>
+            </a:endParaRPr>
+          </a:p>
+        </p:txBody>
+      </p:sp>
+    </p:spTree>
+    <p:extLst>
+      <p:ext uri="{BB962C8B-B14F-4D97-AF65-F5344CB8AC3E}">
+        <p14:creationId xmlns:p14="http://schemas.microsoft.com/office/powerpoint/2010/main" val="2924726163"/>
+      </p:ext>
+    </p:extLst>
+  </p:cSld>
+  <p:clrMapOvr>
+    <a:masterClrMapping/>
+  </p:clrMapOvr>
+</p:sld>
+</file>
+
+<file path=ppt/slides/slide11.xml><?xml version="1.0" encoding="utf-8"?>
+<p:sld xmlns:a="http://schemas.openxmlformats.org/drawingml/2006/main" xmlns:r="http://schemas.openxmlformats.org/officeDocument/2006/relationships" xmlns:p="http://schemas.openxmlformats.org/presentationml/2006/main">
+  <p:cSld>
+    <p:bg>
+      <p:bgPr>
+        <a:solidFill>
+          <a:srgbClr val="1B29B2"/>
+        </a:solidFill>
+        <a:effectLst/>
+      </p:bgPr>
+    </p:bg>
+    <p:spTree>
+      <p:nvGrpSpPr>
         <p:cNvPr id="1" name="Shape 275"/>
         <p:cNvGrpSpPr/>
         <p:nvPr/>
@@ -14958,7 +16318,7 @@
 </p:sld>
 </file>
 
-<file path=ppt/slides/slide11.xml><?xml version="1.0" encoding="utf-8"?>
+<file path=ppt/slides/slide12.xml><?xml version="1.0" encoding="utf-8"?>
 <p:sld xmlns:a="http://schemas.openxmlformats.org/drawingml/2006/main" xmlns:r="http://schemas.openxmlformats.org/officeDocument/2006/relationships" xmlns:p="http://schemas.openxmlformats.org/presentationml/2006/main">
   <p:cSld>
     <p:bg>
@@ -16242,7 +17602,7 @@
 </p:sld>
 </file>
 
-<file path=ppt/slides/slide12.xml><?xml version="1.0" encoding="utf-8"?>
+<file path=ppt/slides/slide13.xml><?xml version="1.0" encoding="utf-8"?>
 <p:sld xmlns:a="http://schemas.openxmlformats.org/drawingml/2006/main" xmlns:r="http://schemas.openxmlformats.org/officeDocument/2006/relationships" xmlns:p="http://schemas.openxmlformats.org/presentationml/2006/main">
   <p:cSld>
     <p:bg>
@@ -17721,7 +19081,7 @@
 </p:sld>
 </file>
 
-<file path=ppt/slides/slide13.xml><?xml version="1.0" encoding="utf-8"?>
+<file path=ppt/slides/slide14.xml><?xml version="1.0" encoding="utf-8"?>
 <p:sld xmlns:a="http://schemas.openxmlformats.org/drawingml/2006/main" xmlns:r="http://schemas.openxmlformats.org/officeDocument/2006/relationships" xmlns:p="http://schemas.openxmlformats.org/presentationml/2006/main">
   <p:cSld>
     <p:bg>
@@ -19200,7 +20560,7 @@
 </p:sld>
 </file>
 
-<file path=ppt/slides/slide14.xml><?xml version="1.0" encoding="utf-8"?>
+<file path=ppt/slides/slide15.xml><?xml version="1.0" encoding="utf-8"?>
 <p:sld xmlns:a="http://schemas.openxmlformats.org/drawingml/2006/main" xmlns:r="http://schemas.openxmlformats.org/officeDocument/2006/relationships" xmlns:p="http://schemas.openxmlformats.org/presentationml/2006/main">
   <p:cSld>
     <p:bg>
@@ -20719,7 +22079,7 @@
 </p:sld>
 </file>
 
-<file path=ppt/slides/slide15.xml><?xml version="1.0" encoding="utf-8"?>
+<file path=ppt/slides/slide16.xml><?xml version="1.0" encoding="utf-8"?>
 <p:sld xmlns:a="http://schemas.openxmlformats.org/drawingml/2006/main" xmlns:r="http://schemas.openxmlformats.org/officeDocument/2006/relationships" xmlns:p="http://schemas.openxmlformats.org/presentationml/2006/main">
   <p:cSld>
     <p:bg>
@@ -22227,7 +23587,7 @@
 </p:sld>
 </file>
 
-<file path=ppt/slides/slide16.xml><?xml version="1.0" encoding="utf-8"?>
+<file path=ppt/slides/slide17.xml><?xml version="1.0" encoding="utf-8"?>
 <p:sld xmlns:a="http://schemas.openxmlformats.org/drawingml/2006/main" xmlns:r="http://schemas.openxmlformats.org/officeDocument/2006/relationships" xmlns:p="http://schemas.openxmlformats.org/presentationml/2006/main">
   <p:cSld>
     <p:bg>
@@ -23719,7 +25079,7 @@
 </p:sld>
 </file>
 
-<file path=ppt/slides/slide17.xml><?xml version="1.0" encoding="utf-8"?>
+<file path=ppt/slides/slide18.xml><?xml version="1.0" encoding="utf-8"?>
 <p:sld xmlns:a="http://schemas.openxmlformats.org/drawingml/2006/main" xmlns:r="http://schemas.openxmlformats.org/officeDocument/2006/relationships" xmlns:p="http://schemas.openxmlformats.org/presentationml/2006/main">
   <p:cSld>
     <p:bg>
@@ -30389,38 +31749,12 @@
           </a:p>
           <a:p>
             <a:r>
-              <a:rPr lang="en-US" sz="3600" dirty="0" err="1">
-                <a:solidFill>
-                  <a:schemeClr val="bg1"/>
-                </a:solidFill>
-              </a:rPr>
-              <a:t>OpenAI</a:t>
-            </a:r>
-            <a:r>
               <a:rPr lang="en-US" sz="3600" dirty="0">
                 <a:solidFill>
                   <a:schemeClr val="bg1"/>
                 </a:solidFill>
               </a:rPr>
-              <a:t> Whisper: Speech recognition model used for transcription.</a:t>
-            </a:r>
-          </a:p>
-          <a:p>
-            <a:r>
-              <a:rPr lang="en-US" sz="3600" dirty="0" err="1">
-                <a:solidFill>
-                  <a:schemeClr val="bg1"/>
-                </a:solidFill>
-              </a:rPr>
-              <a:t>FFmpeg</a:t>
-            </a:r>
-            <a:r>
-              <a:rPr lang="en-US" sz="3600" dirty="0">
-                <a:solidFill>
-                  <a:schemeClr val="bg1"/>
-                </a:solidFill>
-              </a:rPr>
-              <a:t>: Audio processing library for format conversion.</a:t>
+              <a:t>Neural network: Used to build our model</a:t>
             </a:r>
           </a:p>
           <a:p>
@@ -30430,7 +31764,7 @@
                   <a:schemeClr val="bg1"/>
                 </a:solidFill>
               </a:rPr>
-              <a:t>sound device &amp; </a:t>
+              <a:t>Libraries: </a:t>
             </a:r>
             <a:r>
               <a:rPr lang="en-US" sz="3600" dirty="0" err="1">
@@ -30438,7 +31772,7 @@
                   <a:schemeClr val="bg1"/>
                 </a:solidFill>
               </a:rPr>
-              <a:t>scipy</a:t>
+              <a:t>librosa</a:t>
             </a:r>
             <a:r>
               <a:rPr lang="en-US" sz="3600" dirty="0">
@@ -30446,17 +31780,15 @@
                   <a:schemeClr val="bg1"/>
                 </a:solidFill>
               </a:rPr>
-              <a:t>: Python libraries for audio recording and file I/O.</a:t>
+              <a:t> </a:t>
             </a:r>
-          </a:p>
-          <a:p>
             <a:r>
               <a:rPr lang="en-US" sz="3600" dirty="0" err="1">
                 <a:solidFill>
                   <a:schemeClr val="bg1"/>
                 </a:solidFill>
               </a:rPr>
-              <a:t>scikit</a:t>
+              <a:t>numpy</a:t>
             </a:r>
             <a:r>
               <a:rPr lang="en-US" sz="3600" dirty="0">
@@ -30464,7 +31796,81 @@
                   <a:schemeClr val="bg1"/>
                 </a:solidFill>
               </a:rPr>
-              <a:t>-learn: Provides functions to calculate Precision, Recall, and F1 metrics.</a:t>
+              <a:t> pandas torch </a:t>
+            </a:r>
+            <a:r>
+              <a:rPr lang="en-US" sz="3600" dirty="0" err="1">
+                <a:solidFill>
+                  <a:schemeClr val="bg1"/>
+                </a:solidFill>
+              </a:rPr>
+              <a:t>torchaudio</a:t>
+            </a:r>
+            <a:r>
+              <a:rPr lang="en-US" sz="3600" dirty="0">
+                <a:solidFill>
+                  <a:schemeClr val="bg1"/>
+                </a:solidFill>
+              </a:rPr>
+              <a:t> </a:t>
+            </a:r>
+            <a:r>
+              <a:rPr lang="en-US" sz="3600" dirty="0" err="1">
+                <a:solidFill>
+                  <a:schemeClr val="bg1"/>
+                </a:solidFill>
+              </a:rPr>
+              <a:t>tensorflow</a:t>
+            </a:r>
+            <a:r>
+              <a:rPr lang="en-US" sz="3600" dirty="0">
+                <a:solidFill>
+                  <a:schemeClr val="bg1"/>
+                </a:solidFill>
+              </a:rPr>
+              <a:t> </a:t>
+            </a:r>
+            <a:r>
+              <a:rPr lang="en-US" sz="3600" dirty="0" err="1">
+                <a:solidFill>
+                  <a:schemeClr val="bg1"/>
+                </a:solidFill>
+              </a:rPr>
+              <a:t>keras</a:t>
+            </a:r>
+            <a:r>
+              <a:rPr lang="en-US" sz="3600" dirty="0">
+                <a:solidFill>
+                  <a:schemeClr val="bg1"/>
+                </a:solidFill>
+              </a:rPr>
+              <a:t> </a:t>
+            </a:r>
+            <a:r>
+              <a:rPr lang="en-US" sz="3600" dirty="0" err="1">
+                <a:solidFill>
+                  <a:schemeClr val="bg1"/>
+                </a:solidFill>
+              </a:rPr>
+              <a:t>soundfile</a:t>
+            </a:r>
+            <a:r>
+              <a:rPr lang="en-US" sz="3600" dirty="0">
+                <a:solidFill>
+                  <a:schemeClr val="bg1"/>
+                </a:solidFill>
+              </a:rPr>
+              <a:t>.</a:t>
+            </a:r>
+          </a:p>
+          <a:p>
+            <a:r>
+              <a:rPr lang="en-US" sz="3600" dirty="0">
+                <a:solidFill>
+                  <a:schemeClr val="bg1"/>
+                </a:solidFill>
+              </a:rPr>
+              <a:t>scikit-learn: Provides functions to calculate Precision, Recall, and F1 metrics.</a:t>
             </a:r>
           </a:p>
         </p:txBody>
@@ -30656,7 +32062,7 @@
         </p:nvSpPr>
         <p:spPr>
           <a:xfrm>
-            <a:off x="1017810" y="346212"/>
+            <a:off x="1099739" y="383691"/>
             <a:ext cx="16897509" cy="1384995"/>
           </a:xfrm>
           <a:prstGeom prst="rect">
@@ -30684,7 +32090,7 @@
                 <a:cs typeface="Montserrat"/>
                 <a:sym typeface="Montserrat"/>
               </a:rPr>
-              <a:t>What is Whisper?</a:t>
+              <a:t>Dataset </a:t>
             </a:r>
           </a:p>
         </p:txBody>
@@ -31983,7 +33389,7 @@
         <p:spPr>
           <a:xfrm>
             <a:off x="602210" y="2015948"/>
-            <a:ext cx="12594500" cy="4524315"/>
+            <a:ext cx="12594500" cy="5078313"/>
           </a:xfrm>
           <a:prstGeom prst="rect">
             <a:avLst/>
@@ -32002,102 +33408,183 @@
             <a:r>
               <a:rPr lang="en-US" sz="3600" dirty="0">
                 <a:solidFill>
-                  <a:schemeClr val="bg1"/>
+                  <a:srgbClr val="0000FF"/>
                 </a:solidFill>
+                <a:hlinkClick r:id="rId4">
+                  <a:extLst>
+                    <a:ext uri="{A12FA001-AC4F-418D-AE19-62706E023703}">
+                      <ahyp:hlinkClr xmlns:ahyp="http://schemas.microsoft.com/office/drawing/2018/hyperlinkcolor" val="tx"/>
+                    </a:ext>
+                  </a:extLst>
+                </a:hlinkClick>
               </a:rPr>
-              <a:t>An open-source speech recognition model by OpenAI was released in 2022.</a:t>
+              <a:t>The dataset used is from Kaggle with a 10 usability score</a:t>
             </a:r>
           </a:p>
           <a:p>
-            <a:pPr marL="571500" indent="-571500">
-              <a:buFont typeface="Wingdings" panose="05000000000000000000" pitchFamily="2" charset="2"/>
-              <a:buChar char="§"/>
-            </a:pPr>
+            <a:r>
+              <a:rPr lang="en-GB" sz="3600" dirty="0" err="1">
+                <a:solidFill>
+                  <a:schemeClr val="bg1">
+                    <a:lumMod val="95000"/>
+                  </a:schemeClr>
+                </a:solidFill>
+                <a:hlinkClick r:id="rId4">
+                  <a:extLst>
+                    <a:ext uri="{A12FA001-AC4F-418D-AE19-62706E023703}">
+                      <ahyp:hlinkClr xmlns:ahyp="http://schemas.microsoft.com/office/drawing/2018/hyperlinkcolor" val="tx"/>
+                    </a:ext>
+                  </a:extLst>
+                </a:hlinkClick>
+              </a:rPr>
+              <a:t>set_id</a:t>
+            </a:r>
+            <a:r>
+              <a:rPr lang="en-GB" sz="3600" dirty="0">
+                <a:solidFill>
+                  <a:schemeClr val="bg1">
+                    <a:lumMod val="95000"/>
+                  </a:schemeClr>
+                </a:solidFill>
+                <a:hlinkClick r:id="rId4">
+                  <a:extLst>
+                    <a:ext uri="{A12FA001-AC4F-418D-AE19-62706E023703}">
+                      <ahyp:hlinkClr xmlns:ahyp="http://schemas.microsoft.com/office/drawing/2018/hyperlinkcolor" val="tx"/>
+                    </a:ext>
+                  </a:extLst>
+                </a:hlinkClick>
+              </a:rPr>
+              <a:t>: link to the set of audio files,</a:t>
+            </a:r>
+          </a:p>
+          <a:p>
+            <a:r>
+              <a:rPr lang="en-GB" sz="3600" dirty="0">
+                <a:solidFill>
+                  <a:schemeClr val="bg1">
+                    <a:lumMod val="95000"/>
+                  </a:schemeClr>
+                </a:solidFill>
+                <a:hlinkClick r:id="rId4">
+                  <a:extLst>
+                    <a:ext uri="{A12FA001-AC4F-418D-AE19-62706E023703}">
+                      <ahyp:hlinkClr xmlns:ahyp="http://schemas.microsoft.com/office/drawing/2018/hyperlinkcolor" val="tx"/>
+                    </a:ext>
+                  </a:extLst>
+                </a:hlinkClick>
+              </a:rPr>
+              <a:t>text: text spoken in the audio set,</a:t>
+            </a:r>
+          </a:p>
+          <a:p>
+            <a:r>
+              <a:rPr lang="en-GB" sz="3600" dirty="0">
+                <a:solidFill>
+                  <a:schemeClr val="bg1">
+                    <a:lumMod val="95000"/>
+                  </a:schemeClr>
+                </a:solidFill>
+                <a:hlinkClick r:id="rId4">
+                  <a:extLst>
+                    <a:ext uri="{A12FA001-AC4F-418D-AE19-62706E023703}">
+                      <ahyp:hlinkClr xmlns:ahyp="http://schemas.microsoft.com/office/drawing/2018/hyperlinkcolor" val="tx"/>
+                    </a:ext>
+                  </a:extLst>
+                </a:hlinkClick>
+              </a:rPr>
+              <a:t>gender: gender of the person,</a:t>
+            </a:r>
+          </a:p>
+          <a:p>
+            <a:r>
+              <a:rPr lang="en-GB" sz="3600" dirty="0">
+                <a:solidFill>
+                  <a:schemeClr val="bg1">
+                    <a:lumMod val="95000"/>
+                  </a:schemeClr>
+                </a:solidFill>
+                <a:hlinkClick r:id="rId4">
+                  <a:extLst>
+                    <a:ext uri="{A12FA001-AC4F-418D-AE19-62706E023703}">
+                      <ahyp:hlinkClr xmlns:ahyp="http://schemas.microsoft.com/office/drawing/2018/hyperlinkcolor" val="tx"/>
+                    </a:ext>
+                  </a:extLst>
+                </a:hlinkClick>
+              </a:rPr>
+              <a:t>age: age of the person,</a:t>
+            </a:r>
+          </a:p>
+          <a:p>
+            <a:r>
+              <a:rPr lang="en-GB" sz="3600" dirty="0">
+                <a:solidFill>
+                  <a:schemeClr val="bg1">
+                    <a:lumMod val="95000"/>
+                  </a:schemeClr>
+                </a:solidFill>
+                <a:hlinkClick r:id="rId4">
+                  <a:extLst>
+                    <a:ext uri="{A12FA001-AC4F-418D-AE19-62706E023703}">
+                      <ahyp:hlinkClr xmlns:ahyp="http://schemas.microsoft.com/office/drawing/2018/hyperlinkcolor" val="tx"/>
+                    </a:ext>
+                  </a:extLst>
+                </a:hlinkClick>
+              </a:rPr>
+              <a:t>country: country of the person</a:t>
+            </a:r>
+            <a:br>
+              <a:rPr lang="en-GB" sz="3600" dirty="0">
+                <a:solidFill>
+                  <a:schemeClr val="bg1">
+                    <a:lumMod val="95000"/>
+                  </a:schemeClr>
+                </a:solidFill>
+                <a:hlinkClick r:id="rId4">
+                  <a:extLst>
+                    <a:ext uri="{A12FA001-AC4F-418D-AE19-62706E023703}">
+                      <ahyp:hlinkClr xmlns:ahyp="http://schemas.microsoft.com/office/drawing/2018/hyperlinkcolor" val="tx"/>
+                    </a:ext>
+                  </a:extLst>
+                </a:hlinkClick>
+              </a:rPr>
+            </a:br>
+            <a:br>
+              <a:rPr lang="en-US" sz="3600" dirty="0">
+                <a:solidFill>
+                  <a:srgbClr val="0000FF"/>
+                </a:solidFill>
+                <a:hlinkClick r:id="rId4">
+                  <a:extLst>
+                    <a:ext uri="{A12FA001-AC4F-418D-AE19-62706E023703}">
+                      <ahyp:hlinkClr xmlns:ahyp="http://schemas.microsoft.com/office/drawing/2018/hyperlinkcolor" val="tx"/>
+                    </a:ext>
+                  </a:extLst>
+                </a:hlinkClick>
+              </a:rPr>
+            </a:br>
             <a:r>
               <a:rPr lang="en-US" sz="3600" dirty="0">
                 <a:solidFill>
-                  <a:schemeClr val="bg1"/>
+                  <a:srgbClr val="FF0000"/>
                 </a:solidFill>
+                <a:hlinkClick r:id="rId4">
+                  <a:extLst>
+                    <a:ext uri="{A12FA001-AC4F-418D-AE19-62706E023703}">
+                      <ahyp:hlinkClr xmlns:ahyp="http://schemas.microsoft.com/office/drawing/2018/hyperlinkcolor" val="tx"/>
+                    </a:ext>
+                  </a:extLst>
+                </a:hlinkClick>
               </a:rPr>
-              <a:t>Trained on 680,000 hours of multilingual data for robust </a:t>
+              <a:t>https://www.kaggle.com/datasets/tapakah68/emotions-on-audio-dataset?resource=download</a:t>
             </a:r>
-            <a:r>
-              <a:rPr lang="en-US" sz="3600" dirty="0" err="1">
-                <a:solidFill>
-                  <a:schemeClr val="bg1"/>
-                </a:solidFill>
-              </a:rPr>
-              <a:t>performance.Capabilities</a:t>
-            </a:r>
-            <a:r>
-              <a:rPr lang="en-US" sz="3600" dirty="0">
-                <a:solidFill>
-                  <a:schemeClr val="bg1"/>
-                </a:solidFill>
-              </a:rPr>
-              <a:t>: </a:t>
-            </a:r>
-          </a:p>
-          <a:p>
-            <a:pPr marL="571500" indent="-571500">
-              <a:buFont typeface="Wingdings" panose="05000000000000000000" pitchFamily="2" charset="2"/>
-              <a:buChar char="§"/>
-            </a:pPr>
-            <a:r>
-              <a:rPr lang="en-US" sz="3600" dirty="0">
-                <a:solidFill>
-                  <a:schemeClr val="bg1"/>
-                </a:solidFill>
-              </a:rPr>
-              <a:t>Transcription (speech-to-text), language identification, and translation.</a:t>
-            </a:r>
-          </a:p>
-          <a:p>
-            <a:pPr marL="571500" indent="-571500">
-              <a:buFont typeface="Wingdings" panose="05000000000000000000" pitchFamily="2" charset="2"/>
-              <a:buChar char="§"/>
-            </a:pPr>
-            <a:r>
-              <a:rPr lang="en-US" sz="3600" dirty="0">
-                <a:solidFill>
-                  <a:schemeClr val="bg1"/>
-                </a:solidFill>
-              </a:rPr>
-              <a:t>Design: Uses a Transformer-based encoder-decoder architecture optimized for audio sequences.</a:t>
-            </a:r>
+            <a:endParaRPr lang="en-US" sz="3600" dirty="0">
+              <a:solidFill>
+                <a:srgbClr val="FF0000"/>
+              </a:solidFill>
+            </a:endParaRPr>
           </a:p>
         </p:txBody>
       </p:sp>
-      <p:pic>
-        <p:nvPicPr>
-          <p:cNvPr id="4" name="Picture 3">
-            <a:extLst>
-              <a:ext uri="{FF2B5EF4-FFF2-40B4-BE49-F238E27FC236}">
-                <a16:creationId xmlns:a16="http://schemas.microsoft.com/office/drawing/2014/main" id="{50A56895-DE4F-4EF9-BC81-5CDCAF0B12E7}"/>
-              </a:ext>
-            </a:extLst>
-          </p:cNvPr>
-          <p:cNvPicPr>
-            <a:picLocks noChangeAspect="1"/>
-          </p:cNvPicPr>
-          <p:nvPr/>
-        </p:nvPicPr>
-        <p:blipFill>
-          <a:blip r:embed="rId4"/>
-          <a:stretch>
-            <a:fillRect/>
-          </a:stretch>
-        </p:blipFill>
-        <p:spPr>
-          <a:xfrm>
-            <a:off x="227564" y="7210524"/>
-            <a:ext cx="4645563" cy="2610216"/>
-          </a:xfrm>
-          <a:prstGeom prst="rect">
-            <a:avLst/>
-          </a:prstGeom>
-        </p:spPr>
-      </p:pic>
       <p:pic>
         <p:nvPicPr>
           <p:cNvPr id="6" name="Picture 5">
@@ -32120,12 +33607,59 @@
         </p:blipFill>
         <p:spPr>
           <a:xfrm>
-            <a:off x="5645426" y="7208305"/>
+            <a:off x="564297" y="7223781"/>
             <a:ext cx="5735653" cy="2595960"/>
           </a:xfrm>
           <a:prstGeom prst="rect">
             <a:avLst/>
           </a:prstGeom>
+        </p:spPr>
+      </p:pic>
+      <p:pic>
+        <p:nvPicPr>
+          <p:cNvPr id="1026" name="Picture 2">
+            <a:extLst>
+              <a:ext uri="{FF2B5EF4-FFF2-40B4-BE49-F238E27FC236}">
+                <a16:creationId xmlns:a16="http://schemas.microsoft.com/office/drawing/2014/main" id="{2D1B6522-6718-B820-0472-24F8FEC8B591}"/>
+              </a:ext>
+            </a:extLst>
+          </p:cNvPr>
+          <p:cNvPicPr>
+            <a:picLocks noChangeAspect="1" noChangeArrowheads="1"/>
+          </p:cNvPicPr>
+          <p:nvPr/>
+        </p:nvPicPr>
+        <p:blipFill>
+          <a:blip r:embed="rId6">
+            <a:extLst>
+              <a:ext uri="{28A0092B-C50C-407E-A947-70E740481C1C}">
+                <a14:useLocalDpi xmlns:a14="http://schemas.microsoft.com/office/drawing/2010/main" val="0"/>
+              </a:ext>
+            </a:extLst>
+          </a:blip>
+          <a:srcRect/>
+          <a:stretch>
+            <a:fillRect/>
+          </a:stretch>
+        </p:blipFill>
+        <p:spPr bwMode="auto">
+          <a:xfrm>
+            <a:off x="6930522" y="7285996"/>
+            <a:ext cx="8086725" cy="2238375"/>
+          </a:xfrm>
+          <a:prstGeom prst="rect">
+            <a:avLst/>
+          </a:prstGeom>
+          <a:noFill/>
+          <a:extLst>
+            <a:ext uri="{909E8E84-426E-40DD-AFC4-6F175D3DCCD1}">
+              <a14:hiddenFill xmlns:a14="http://schemas.microsoft.com/office/drawing/2010/main">
+                <a:solidFill>
+                  <a:srgbClr val="FFFFFF"/>
+                </a:solidFill>
+              </a14:hiddenFill>
+            </a:ext>
+          </a:extLst>
         </p:spPr>
       </p:pic>
     </p:spTree>
@@ -32168,14 +33702,65 @@
       </p:grpSpPr>
       <p:sp>
         <p:nvSpPr>
+          <p:cNvPr id="152" name="Google Shape;152;p14"/>
+          <p:cNvSpPr/>
+          <p:nvPr/>
+        </p:nvSpPr>
+        <p:spPr>
+          <a:xfrm rot="-3278844">
+            <a:off x="-6614378" y="-5525916"/>
+            <a:ext cx="14357351" cy="9368172"/>
+          </a:xfrm>
+          <a:custGeom>
+            <a:avLst/>
+            <a:gdLst/>
+            <a:ahLst/>
+            <a:cxnLst/>
+            <a:rect l="l" t="t" r="r" b="b"/>
+            <a:pathLst>
+              <a:path w="14357351" h="9368172" extrusionOk="0">
+                <a:moveTo>
+                  <a:pt x="0" y="0"/>
+                </a:moveTo>
+                <a:lnTo>
+                  <a:pt x="14357352" y="0"/>
+                </a:lnTo>
+                <a:lnTo>
+                  <a:pt x="14357352" y="9368172"/>
+                </a:lnTo>
+                <a:lnTo>
+                  <a:pt x="0" y="9368172"/>
+                </a:lnTo>
+                <a:lnTo>
+                  <a:pt x="0" y="0"/>
+                </a:lnTo>
+                <a:close/>
+              </a:path>
+            </a:pathLst>
+          </a:custGeom>
+          <a:blipFill rotWithShape="1">
+            <a:blip r:embed="rId3">
+              <a:alphaModFix amt="19999"/>
+            </a:blip>
+            <a:stretch>
+              <a:fillRect/>
+            </a:stretch>
+          </a:blipFill>
+          <a:ln>
+            <a:noFill/>
+          </a:ln>
+        </p:spPr>
+      </p:sp>
+      <p:sp>
+        <p:nvSpPr>
           <p:cNvPr id="153" name="Google Shape;153;p14"/>
           <p:cNvSpPr txBox="1"/>
           <p:nvPr/>
         </p:nvSpPr>
         <p:spPr>
           <a:xfrm>
-            <a:off x="882490" y="923630"/>
-            <a:ext cx="14662309" cy="1292662"/>
+            <a:off x="1099739" y="383691"/>
+            <a:ext cx="16897509" cy="1384995"/>
           </a:xfrm>
           <a:prstGeom prst="rect">
             <a:avLst/>
@@ -32193,7 +33778,7 @@
           <a:p>
             <a:pPr lvl="0"/>
             <a:r>
-              <a:rPr lang="en-US" sz="8400" b="1" dirty="0">
+              <a:rPr lang="en-US" sz="9000" b="1" dirty="0">
                 <a:solidFill>
                   <a:schemeClr val="accent3"/>
                 </a:solidFill>
@@ -32202,16 +33787,113 @@
                 <a:cs typeface="Montserrat"/>
                 <a:sym typeface="Montserrat"/>
               </a:rPr>
-              <a:t> Whisper Model Variants</a:t>
+              <a:t>Dataset </a:t>
             </a:r>
-            <a:endParaRPr sz="8400" dirty="0">
-              <a:solidFill>
-                <a:schemeClr val="accent3"/>
-              </a:solidFill>
-            </a:endParaRPr>
           </a:p>
         </p:txBody>
       </p:sp>
+      <p:grpSp>
+        <p:nvGrpSpPr>
+          <p:cNvPr id="157" name="Google Shape;157;p14"/>
+          <p:cNvGrpSpPr/>
+          <p:nvPr/>
+        </p:nvGrpSpPr>
+        <p:grpSpPr>
+          <a:xfrm>
+            <a:off x="6895940" y="3993901"/>
+            <a:ext cx="5141250" cy="1092252"/>
+            <a:chOff x="0" y="-28575"/>
+            <a:chExt cx="6855000" cy="1456336"/>
+          </a:xfrm>
+        </p:grpSpPr>
+        <p:sp>
+          <p:nvSpPr>
+            <p:cNvPr id="158" name="Google Shape;158;p14"/>
+            <p:cNvSpPr txBox="1"/>
+            <p:nvPr/>
+          </p:nvSpPr>
+          <p:spPr>
+            <a:xfrm>
+              <a:off x="0" y="1097414"/>
+              <a:ext cx="6425400" cy="330347"/>
+            </a:xfrm>
+            <a:prstGeom prst="rect">
+              <a:avLst/>
+            </a:prstGeom>
+            <a:noFill/>
+            <a:ln>
+              <a:noFill/>
+            </a:ln>
+          </p:spPr>
+          <p:txBody>
+            <a:bodyPr spcFirstLastPara="1" wrap="square" lIns="0" tIns="0" rIns="0" bIns="0" anchor="t" anchorCtr="0">
+              <a:spAutoFit/>
+            </a:bodyPr>
+            <a:lstStyle/>
+            <a:p>
+              <a:pPr marL="453392" marR="0" lvl="1" indent="-226696" algn="l" rtl="0">
+                <a:lnSpc>
+                  <a:spcPct val="115000"/>
+                </a:lnSpc>
+                <a:spcBef>
+                  <a:spcPts val="0"/>
+                </a:spcBef>
+                <a:spcAft>
+                  <a:spcPts val="0"/>
+                </a:spcAft>
+                <a:buClr>
+                  <a:srgbClr val="FFFFFF"/>
+                </a:buClr>
+                <a:buSzPts val="2100"/>
+                <a:buFont typeface="Arial"/>
+                <a:buChar char="•"/>
+              </a:pPr>
+              <a:endParaRPr dirty="0"/>
+            </a:p>
+          </p:txBody>
+        </p:sp>
+        <p:sp>
+          <p:nvSpPr>
+            <p:cNvPr id="159" name="Google Shape;159;p14"/>
+            <p:cNvSpPr txBox="1"/>
+            <p:nvPr/>
+          </p:nvSpPr>
+          <p:spPr>
+            <a:xfrm>
+              <a:off x="0" y="-28575"/>
+              <a:ext cx="6855000" cy="373436"/>
+            </a:xfrm>
+            <a:prstGeom prst="rect">
+              <a:avLst/>
+            </a:prstGeom>
+            <a:noFill/>
+            <a:ln>
+              <a:noFill/>
+            </a:ln>
+          </p:spPr>
+          <p:txBody>
+            <a:bodyPr spcFirstLastPara="1" wrap="square" lIns="0" tIns="0" rIns="0" bIns="0" anchor="t" anchorCtr="0">
+              <a:spAutoFit/>
+            </a:bodyPr>
+            <a:lstStyle/>
+            <a:p>
+              <a:pPr marL="0" marR="0" lvl="0" indent="0" algn="l" rtl="0">
+                <a:lnSpc>
+                  <a:spcPct val="130000"/>
+                </a:lnSpc>
+                <a:spcBef>
+                  <a:spcPts val="0"/>
+                </a:spcBef>
+                <a:spcAft>
+                  <a:spcPts val="0"/>
+                </a:spcAft>
+                <a:buNone/>
+              </a:pPr>
+              <a:endParaRPr b="1" dirty="0"/>
+            </a:p>
+          </p:txBody>
+        </p:sp>
+      </p:grpSp>
       <p:sp>
         <p:nvSpPr>
           <p:cNvPr id="160" name="Google Shape;160;p14"/>
@@ -32265,13 +33947,115 @@
       </p:sp>
       <p:grpSp>
         <p:nvGrpSpPr>
+          <p:cNvPr id="161" name="Google Shape;161;p14"/>
+          <p:cNvGrpSpPr/>
+          <p:nvPr/>
+        </p:nvGrpSpPr>
+        <p:grpSpPr>
+          <a:xfrm>
+            <a:off x="12505645" y="3993901"/>
+            <a:ext cx="5141250" cy="1092252"/>
+            <a:chOff x="0" y="-28575"/>
+            <a:chExt cx="6855000" cy="1456336"/>
+          </a:xfrm>
+        </p:grpSpPr>
+        <p:sp>
+          <p:nvSpPr>
+            <p:cNvPr id="162" name="Google Shape;162;p14"/>
+            <p:cNvSpPr txBox="1"/>
+            <p:nvPr/>
+          </p:nvSpPr>
+          <p:spPr>
+            <a:xfrm>
+              <a:off x="0" y="1097414"/>
+              <a:ext cx="4766700" cy="330347"/>
+            </a:xfrm>
+            <a:prstGeom prst="rect">
+              <a:avLst/>
+            </a:prstGeom>
+            <a:noFill/>
+            <a:ln>
+              <a:noFill/>
+            </a:ln>
+          </p:spPr>
+          <p:txBody>
+            <a:bodyPr spcFirstLastPara="1" wrap="square" lIns="0" tIns="0" rIns="0" bIns="0" anchor="t" anchorCtr="0">
+              <a:spAutoFit/>
+            </a:bodyPr>
+            <a:lstStyle/>
+            <a:p>
+              <a:pPr marL="453392" marR="0" lvl="1" indent="-226696" algn="l" rtl="0">
+                <a:lnSpc>
+                  <a:spcPct val="115000"/>
+                </a:lnSpc>
+                <a:spcBef>
+                  <a:spcPts val="0"/>
+                </a:spcBef>
+                <a:spcAft>
+                  <a:spcPts val="0"/>
+                </a:spcAft>
+                <a:buClr>
+                  <a:srgbClr val="FFFFFF"/>
+                </a:buClr>
+                <a:buSzPts val="2100"/>
+                <a:buFont typeface="Arial"/>
+                <a:buChar char="•"/>
+              </a:pPr>
+              <a:endParaRPr dirty="0"/>
+            </a:p>
+          </p:txBody>
+        </p:sp>
+        <p:sp>
+          <p:nvSpPr>
+            <p:cNvPr id="163" name="Google Shape;163;p14"/>
+            <p:cNvSpPr txBox="1"/>
+            <p:nvPr/>
+          </p:nvSpPr>
+          <p:spPr>
+            <a:xfrm>
+              <a:off x="0" y="-28575"/>
+              <a:ext cx="6855000" cy="373436"/>
+            </a:xfrm>
+            <a:prstGeom prst="rect">
+              <a:avLst/>
+            </a:prstGeom>
+            <a:noFill/>
+            <a:ln>
+              <a:noFill/>
+            </a:ln>
+          </p:spPr>
+          <p:txBody>
+            <a:bodyPr spcFirstLastPara="1" wrap="square" lIns="0" tIns="0" rIns="0" bIns="0" anchor="t" anchorCtr="0">
+              <a:spAutoFit/>
+            </a:bodyPr>
+            <a:lstStyle/>
+            <a:p>
+              <a:pPr marL="0" marR="0" lvl="0" indent="0" algn="l" rtl="0">
+                <a:lnSpc>
+                  <a:spcPct val="130000"/>
+                </a:lnSpc>
+                <a:spcBef>
+                  <a:spcPts val="0"/>
+                </a:spcBef>
+                <a:spcAft>
+                  <a:spcPts val="0"/>
+                </a:spcAft>
+                <a:buNone/>
+              </a:pPr>
+              <a:endParaRPr b="1" dirty="0"/>
+            </a:p>
+          </p:txBody>
+        </p:sp>
+      </p:grpSp>
+      <p:grpSp>
+        <p:nvGrpSpPr>
           <p:cNvPr id="164" name="Google Shape;164;p14"/>
           <p:cNvGrpSpPr/>
           <p:nvPr/>
         </p:nvGrpSpPr>
         <p:grpSpPr>
           <a:xfrm>
-            <a:off x="15810608" y="749497"/>
+            <a:off x="14138757" y="916512"/>
             <a:ext cx="1875026" cy="1989564"/>
             <a:chOff x="0" y="-122432"/>
             <a:chExt cx="2500034" cy="2652752"/>
@@ -33287,425 +35071,300 @@
           </p:sp>
         </p:grpSp>
       </p:grpSp>
-      <p:graphicFrame>
-        <p:nvGraphicFramePr>
-          <p:cNvPr id="3" name="Table 2">
+      <p:sp>
+        <p:nvSpPr>
+          <p:cNvPr id="2" name="Rectangle 1">
             <a:extLst>
               <a:ext uri="{FF2B5EF4-FFF2-40B4-BE49-F238E27FC236}">
-                <a16:creationId xmlns:a16="http://schemas.microsoft.com/office/drawing/2014/main" id="{087C68EE-9BBD-4334-A21B-7137EF5A6F3C}"/>
+                <a16:creationId xmlns:a16="http://schemas.microsoft.com/office/drawing/2014/main" id="{51CEAFF5-9EEB-433F-8B99-2FDA572BE6DD}"/>
               </a:ext>
             </a:extLst>
           </p:cNvPr>
-          <p:cNvGraphicFramePr>
-            <a:graphicFrameLocks noGrp="1"/>
-          </p:cNvGraphicFramePr>
-          <p:nvPr>
-            <p:extLst>
-              <p:ext uri="{D42A27DB-BD31-4B8C-83A1-F6EECF244321}">
-                <p14:modId xmlns:p14="http://schemas.microsoft.com/office/powerpoint/2010/main" val="2629458481"/>
-              </p:ext>
-            </p:extLst>
-          </p:nvPr>
-        </p:nvGraphicFramePr>
-        <p:xfrm>
-          <a:off x="1193097" y="2739061"/>
-          <a:ext cx="13854749" cy="6399780"/>
-        </p:xfrm>
-        <a:graphic>
-          <a:graphicData uri="http://schemas.openxmlformats.org/drawingml/2006/table">
-            <a:tbl>
-              <a:tblPr firstRow="1" bandRow="1">
-                <a:tableStyleId>{5C22544A-7EE6-4342-B048-85BDC9FD1C3A}</a:tableStyleId>
-              </a:tblPr>
-              <a:tblGrid>
-                <a:gridCol w="3413969">
+          <p:cNvSpPr/>
+          <p:nvPr/>
+        </p:nvSpPr>
+        <p:spPr>
+          <a:xfrm>
+            <a:off x="602210" y="2015948"/>
+            <a:ext cx="12594500" cy="3416320"/>
+          </a:xfrm>
+          <a:prstGeom prst="rect">
+            <a:avLst/>
+          </a:prstGeom>
+        </p:spPr>
+        <p:txBody>
+          <a:bodyPr wrap="square">
+            <a:spAutoFit/>
+          </a:bodyPr>
+          <a:lstStyle/>
+          <a:p>
+            <a:pPr marL="571500" indent="-571500">
+              <a:buFont typeface="Wingdings" panose="05000000000000000000" pitchFamily="2" charset="2"/>
+              <a:buChar char="§"/>
+            </a:pPr>
+            <a:r>
+              <a:rPr lang="en-US" sz="2400" dirty="0">
+                <a:solidFill>
+                  <a:srgbClr val="0000FF"/>
+                </a:solidFill>
+                <a:hlinkClick r:id="rId4">
                   <a:extLst>
-                    <a:ext uri="{9D8B030D-6E8A-4147-A177-3AD203B41FA5}">
-                      <a16:colId xmlns:a16="http://schemas.microsoft.com/office/drawing/2014/main" val="2330730215"/>
+                    <a:ext uri="{A12FA001-AC4F-418D-AE19-62706E023703}">
+                      <ahyp:hlinkClr xmlns:ahyp="http://schemas.microsoft.com/office/drawing/2018/hyperlinkcolor" val="tx"/>
                     </a:ext>
                   </a:extLst>
-                </a:gridCol>
-                <a:gridCol w="3480260">
+                </a:hlinkClick>
+              </a:rPr>
+              <a:t>The dataset used is from Kaggle with a 10 usability score</a:t>
+            </a:r>
+          </a:p>
+          <a:p>
+            <a:r>
+              <a:rPr lang="en-GB" sz="2400" dirty="0" err="1">
+                <a:solidFill>
+                  <a:schemeClr val="bg1">
+                    <a:lumMod val="95000"/>
+                  </a:schemeClr>
+                </a:solidFill>
+                <a:hlinkClick r:id="rId4">
                   <a:extLst>
-                    <a:ext uri="{9D8B030D-6E8A-4147-A177-3AD203B41FA5}">
-                      <a16:colId xmlns:a16="http://schemas.microsoft.com/office/drawing/2014/main" val="3890789033"/>
+                    <a:ext uri="{A12FA001-AC4F-418D-AE19-62706E023703}">
+                      <ahyp:hlinkClr xmlns:ahyp="http://schemas.microsoft.com/office/drawing/2018/hyperlinkcolor" val="tx"/>
                     </a:ext>
                   </a:extLst>
-                </a:gridCol>
-                <a:gridCol w="3480260">
+                </a:hlinkClick>
+              </a:rPr>
+              <a:t>set_id</a:t>
+            </a:r>
+            <a:r>
+              <a:rPr lang="en-GB" sz="2400" dirty="0">
+                <a:solidFill>
+                  <a:schemeClr val="bg1">
+                    <a:lumMod val="95000"/>
+                  </a:schemeClr>
+                </a:solidFill>
+                <a:hlinkClick r:id="rId4">
                   <a:extLst>
-                    <a:ext uri="{9D8B030D-6E8A-4147-A177-3AD203B41FA5}">
-                      <a16:colId xmlns:a16="http://schemas.microsoft.com/office/drawing/2014/main" val="1115446476"/>
+                    <a:ext uri="{A12FA001-AC4F-418D-AE19-62706E023703}">
+                      <ahyp:hlinkClr xmlns:ahyp="http://schemas.microsoft.com/office/drawing/2018/hyperlinkcolor" val="tx"/>
                     </a:ext>
                   </a:extLst>
-                </a:gridCol>
-                <a:gridCol w="3480260">
+                </a:hlinkClick>
+              </a:rPr>
+              <a:t>: link to the set of audio files,</a:t>
+            </a:r>
+          </a:p>
+          <a:p>
+            <a:r>
+              <a:rPr lang="en-GB" sz="2400" dirty="0">
+                <a:solidFill>
+                  <a:schemeClr val="bg1">
+                    <a:lumMod val="95000"/>
+                  </a:schemeClr>
+                </a:solidFill>
+                <a:hlinkClick r:id="rId4">
                   <a:extLst>
-                    <a:ext uri="{9D8B030D-6E8A-4147-A177-3AD203B41FA5}">
-                      <a16:colId xmlns:a16="http://schemas.microsoft.com/office/drawing/2014/main" val="221653510"/>
+                    <a:ext uri="{A12FA001-AC4F-418D-AE19-62706E023703}">
+                      <ahyp:hlinkClr xmlns:ahyp="http://schemas.microsoft.com/office/drawing/2018/hyperlinkcolor" val="tx"/>
                     </a:ext>
                   </a:extLst>
-                </a:gridCol>
-              </a:tblGrid>
-              <a:tr h="1066630">
-                <a:tc>
-                  <a:txBody>
-                    <a:bodyPr/>
-                    <a:lstStyle/>
-                    <a:p>
-                      <a:r>
-                        <a:rPr lang="en-US" sz="4800" dirty="0"/>
-                        <a:t>MODEL</a:t>
-                      </a:r>
-                    </a:p>
-                  </a:txBody>
-                  <a:tcPr/>
-                </a:tc>
-                <a:tc>
-                  <a:txBody>
-                    <a:bodyPr/>
-                    <a:lstStyle/>
-                    <a:p>
-                      <a:r>
-                        <a:rPr lang="en-US" sz="4800" dirty="0"/>
-                        <a:t>SIZE</a:t>
-                      </a:r>
-                    </a:p>
-                  </a:txBody>
-                  <a:tcPr/>
-                </a:tc>
-                <a:tc>
-                  <a:txBody>
-                    <a:bodyPr/>
-                    <a:lstStyle/>
-                    <a:p>
-                      <a:r>
-                        <a:rPr lang="en-US" sz="4800" dirty="0"/>
-                        <a:t>Accuracy</a:t>
-                      </a:r>
-                    </a:p>
-                  </a:txBody>
-                  <a:tcPr/>
-                </a:tc>
-                <a:tc>
-                  <a:txBody>
-                    <a:bodyPr/>
-                    <a:lstStyle/>
-                    <a:p>
-                      <a:r>
-                        <a:rPr lang="en-US" sz="4800" dirty="0"/>
-                        <a:t>	Speed</a:t>
-                      </a:r>
-                    </a:p>
-                  </a:txBody>
-                  <a:tcPr/>
-                </a:tc>
-                <a:extLst>
-                  <a:ext uri="{0D108BD9-81ED-4DB2-BD59-A6C34878D82A}">
-                    <a16:rowId xmlns:a16="http://schemas.microsoft.com/office/drawing/2014/main" val="1968554892"/>
-                  </a:ext>
-                </a:extLst>
-              </a:tr>
-              <a:tr h="1066630">
-                <a:tc>
-                  <a:txBody>
-                    <a:bodyPr/>
-                    <a:lstStyle/>
-                    <a:p>
-                      <a:r>
-                        <a:rPr lang="en-US" sz="4800" dirty="0"/>
-                        <a:t>tiny</a:t>
-                      </a:r>
-                    </a:p>
-                  </a:txBody>
-                  <a:tcPr/>
-                </a:tc>
-                <a:tc>
-                  <a:txBody>
-                    <a:bodyPr/>
-                    <a:lstStyle/>
-                    <a:p>
-                      <a:r>
-                        <a:rPr lang="en-US" sz="4800" dirty="0"/>
-                        <a:t>~39 MB</a:t>
-                      </a:r>
-                    </a:p>
-                  </a:txBody>
-                  <a:tcPr/>
-                </a:tc>
-                <a:tc>
-                  <a:txBody>
-                    <a:bodyPr/>
-                    <a:lstStyle/>
-                    <a:p>
-                      <a:r>
-                        <a:rPr lang="en-US" sz="4800" dirty="0"/>
-                        <a:t>Basic</a:t>
-                      </a:r>
-                    </a:p>
-                  </a:txBody>
-                  <a:tcPr/>
-                </a:tc>
-                <a:tc>
-                  <a:txBody>
-                    <a:bodyPr/>
-                    <a:lstStyle/>
-                    <a:p>
-                      <a:r>
-                        <a:rPr lang="en-US" sz="4800" dirty="0"/>
-                        <a:t>Very Fast</a:t>
-                      </a:r>
-                    </a:p>
-                  </a:txBody>
-                  <a:tcPr/>
-                </a:tc>
-                <a:extLst>
-                  <a:ext uri="{0D108BD9-81ED-4DB2-BD59-A6C34878D82A}">
-                    <a16:rowId xmlns:a16="http://schemas.microsoft.com/office/drawing/2014/main" val="136187278"/>
-                  </a:ext>
-                </a:extLst>
-              </a:tr>
-              <a:tr h="1066630">
-                <a:tc>
-                  <a:txBody>
-                    <a:bodyPr/>
-                    <a:lstStyle/>
-                    <a:p>
-                      <a:r>
-                        <a:rPr lang="en-US" sz="4800" dirty="0"/>
-                        <a:t>base</a:t>
-                      </a:r>
-                    </a:p>
-                  </a:txBody>
-                  <a:tcPr/>
-                </a:tc>
-                <a:tc>
-                  <a:txBody>
-                    <a:bodyPr/>
-                    <a:lstStyle/>
-                    <a:p>
-                      <a:r>
-                        <a:rPr lang="en-US" sz="4800" dirty="0"/>
-                        <a:t>~74 MB</a:t>
-                      </a:r>
-                    </a:p>
-                  </a:txBody>
-                  <a:tcPr/>
-                </a:tc>
-                <a:tc>
-                  <a:txBody>
-                    <a:bodyPr/>
-                    <a:lstStyle/>
-                    <a:p>
-                      <a:r>
-                        <a:rPr lang="en-US" sz="4800" dirty="0"/>
-                        <a:t>Moderate</a:t>
-                      </a:r>
-                    </a:p>
-                  </a:txBody>
-                  <a:tcPr/>
-                </a:tc>
-                <a:tc>
-                  <a:txBody>
-                    <a:bodyPr/>
-                    <a:lstStyle/>
-                    <a:p>
-                      <a:r>
-                        <a:rPr lang="en-US" sz="4800" dirty="0"/>
-                        <a:t>Fast</a:t>
-                      </a:r>
-                    </a:p>
-                  </a:txBody>
-                  <a:tcPr/>
-                </a:tc>
-                <a:extLst>
-                  <a:ext uri="{0D108BD9-81ED-4DB2-BD59-A6C34878D82A}">
-                    <a16:rowId xmlns:a16="http://schemas.microsoft.com/office/drawing/2014/main" val="1697474472"/>
-                  </a:ext>
-                </a:extLst>
-              </a:tr>
-              <a:tr h="1066630">
-                <a:tc>
-                  <a:txBody>
-                    <a:bodyPr/>
-                    <a:lstStyle/>
-                    <a:p>
-                      <a:r>
-                        <a:rPr lang="en-US" sz="4800" dirty="0"/>
-                        <a:t>small</a:t>
-                      </a:r>
-                    </a:p>
-                  </a:txBody>
-                  <a:tcPr/>
-                </a:tc>
-                <a:tc>
-                  <a:txBody>
-                    <a:bodyPr/>
-                    <a:lstStyle/>
-                    <a:p>
-                      <a:r>
-                        <a:rPr lang="en-US" sz="4800" dirty="0"/>
-                        <a:t>~244 MB</a:t>
-                      </a:r>
-                    </a:p>
-                  </a:txBody>
-                  <a:tcPr/>
-                </a:tc>
-                <a:tc>
-                  <a:txBody>
-                    <a:bodyPr/>
-                    <a:lstStyle/>
-                    <a:p>
-                      <a:r>
-                        <a:rPr lang="en-US" sz="4800" dirty="0"/>
-                        <a:t>Good</a:t>
-                      </a:r>
-                    </a:p>
-                  </a:txBody>
-                  <a:tcPr/>
-                </a:tc>
-                <a:tc>
-                  <a:txBody>
-                    <a:bodyPr/>
-                    <a:lstStyle/>
-                    <a:p>
-                      <a:r>
-                        <a:rPr lang="en-US" sz="4800" dirty="0"/>
-                        <a:t> Moderate</a:t>
-                      </a:r>
-                    </a:p>
-                  </a:txBody>
-                  <a:tcPr/>
-                </a:tc>
-                <a:extLst>
-                  <a:ext uri="{0D108BD9-81ED-4DB2-BD59-A6C34878D82A}">
-                    <a16:rowId xmlns:a16="http://schemas.microsoft.com/office/drawing/2014/main" val="2822468694"/>
-                  </a:ext>
-                </a:extLst>
-              </a:tr>
-              <a:tr h="1066630">
-                <a:tc>
-                  <a:txBody>
-                    <a:bodyPr/>
-                    <a:lstStyle/>
-                    <a:p>
-                      <a:r>
-                        <a:rPr lang="en-US" sz="4800" dirty="0"/>
-                        <a:t>medium</a:t>
-                      </a:r>
-                    </a:p>
-                  </a:txBody>
-                  <a:tcPr/>
-                </a:tc>
-                <a:tc>
-                  <a:txBody>
-                    <a:bodyPr/>
-                    <a:lstStyle/>
-                    <a:p>
-                      <a:r>
-                        <a:rPr lang="en-US" sz="4800" dirty="0"/>
-                        <a:t>~769 MB</a:t>
-                      </a:r>
-                    </a:p>
-                  </a:txBody>
-                  <a:tcPr/>
-                </a:tc>
-                <a:tc>
-                  <a:txBody>
-                    <a:bodyPr/>
-                    <a:lstStyle/>
-                    <a:p>
-                      <a:r>
-                        <a:rPr lang="en-US" sz="4800" dirty="0"/>
-                        <a:t>High</a:t>
-                      </a:r>
-                    </a:p>
-                  </a:txBody>
-                  <a:tcPr/>
-                </a:tc>
-                <a:tc>
-                  <a:txBody>
-                    <a:bodyPr/>
-                    <a:lstStyle/>
-                    <a:p>
-                      <a:r>
-                        <a:rPr lang="en-US" sz="4800" dirty="0"/>
-                        <a:t> Slow</a:t>
-                      </a:r>
-                    </a:p>
-                  </a:txBody>
-                  <a:tcPr/>
-                </a:tc>
-                <a:extLst>
-                  <a:ext uri="{0D108BD9-81ED-4DB2-BD59-A6C34878D82A}">
-                    <a16:rowId xmlns:a16="http://schemas.microsoft.com/office/drawing/2014/main" val="3604163926"/>
-                  </a:ext>
-                </a:extLst>
-              </a:tr>
-              <a:tr h="1066630">
-                <a:tc>
-                  <a:txBody>
-                    <a:bodyPr/>
-                    <a:lstStyle/>
-                    <a:p>
-                      <a:r>
-                        <a:rPr lang="en-US" sz="4800" dirty="0"/>
-                        <a:t>large</a:t>
-                      </a:r>
-                    </a:p>
-                  </a:txBody>
-                  <a:tcPr/>
-                </a:tc>
-                <a:tc>
-                  <a:txBody>
-                    <a:bodyPr/>
-                    <a:lstStyle/>
-                    <a:p>
-                      <a:r>
-                        <a:rPr lang="en-US" sz="4800" dirty="0"/>
-                        <a:t>~1.55 GB</a:t>
-                      </a:r>
-                    </a:p>
-                  </a:txBody>
-                  <a:tcPr/>
-                </a:tc>
-                <a:tc>
-                  <a:txBody>
-                    <a:bodyPr/>
-                    <a:lstStyle/>
-                    <a:p>
-                      <a:r>
-                        <a:rPr lang="en-US" sz="4800" dirty="0"/>
-                        <a:t>Very High</a:t>
-                      </a:r>
-                    </a:p>
-                  </a:txBody>
-                  <a:tcPr/>
-                </a:tc>
-                <a:tc>
-                  <a:txBody>
-                    <a:bodyPr/>
-                    <a:lstStyle/>
-                    <a:p>
-                      <a:r>
-                        <a:rPr lang="en-US" sz="4800" dirty="0"/>
-                        <a:t>Very Slow</a:t>
-                      </a:r>
-                    </a:p>
-                  </a:txBody>
-                  <a:tcPr/>
-                </a:tc>
-                <a:extLst>
-                  <a:ext uri="{0D108BD9-81ED-4DB2-BD59-A6C34878D82A}">
-                    <a16:rowId xmlns:a16="http://schemas.microsoft.com/office/drawing/2014/main" val="1975459375"/>
-                  </a:ext>
-                </a:extLst>
-              </a:tr>
-            </a:tbl>
-          </a:graphicData>
-        </a:graphic>
-      </p:graphicFrame>
+                </a:hlinkClick>
+              </a:rPr>
+              <a:t>text: text spoken in the audio set,</a:t>
+            </a:r>
+          </a:p>
+          <a:p>
+            <a:r>
+              <a:rPr lang="en-GB" sz="2400" dirty="0">
+                <a:solidFill>
+                  <a:schemeClr val="bg1">
+                    <a:lumMod val="95000"/>
+                  </a:schemeClr>
+                </a:solidFill>
+                <a:hlinkClick r:id="rId4">
+                  <a:extLst>
+                    <a:ext uri="{A12FA001-AC4F-418D-AE19-62706E023703}">
+                      <ahyp:hlinkClr xmlns:ahyp="http://schemas.microsoft.com/office/drawing/2018/hyperlinkcolor" val="tx"/>
+                    </a:ext>
+                  </a:extLst>
+                </a:hlinkClick>
+              </a:rPr>
+              <a:t>gender: gender of the person,</a:t>
+            </a:r>
+          </a:p>
+          <a:p>
+            <a:r>
+              <a:rPr lang="en-GB" sz="2400" dirty="0">
+                <a:solidFill>
+                  <a:schemeClr val="bg1">
+                    <a:lumMod val="95000"/>
+                  </a:schemeClr>
+                </a:solidFill>
+                <a:hlinkClick r:id="rId4">
+                  <a:extLst>
+                    <a:ext uri="{A12FA001-AC4F-418D-AE19-62706E023703}">
+                      <ahyp:hlinkClr xmlns:ahyp="http://schemas.microsoft.com/office/drawing/2018/hyperlinkcolor" val="tx"/>
+                    </a:ext>
+                  </a:extLst>
+                </a:hlinkClick>
+              </a:rPr>
+              <a:t>age: age of the person,</a:t>
+            </a:r>
+          </a:p>
+          <a:p>
+            <a:r>
+              <a:rPr lang="en-GB" sz="2400" dirty="0">
+                <a:solidFill>
+                  <a:schemeClr val="bg1">
+                    <a:lumMod val="95000"/>
+                  </a:schemeClr>
+                </a:solidFill>
+                <a:hlinkClick r:id="rId4">
+                  <a:extLst>
+                    <a:ext uri="{A12FA001-AC4F-418D-AE19-62706E023703}">
+                      <ahyp:hlinkClr xmlns:ahyp="http://schemas.microsoft.com/office/drawing/2018/hyperlinkcolor" val="tx"/>
+                    </a:ext>
+                  </a:extLst>
+                </a:hlinkClick>
+              </a:rPr>
+              <a:t>country: country of the person</a:t>
+            </a:r>
+            <a:br>
+              <a:rPr lang="en-GB" sz="2400" dirty="0">
+                <a:solidFill>
+                  <a:schemeClr val="bg1">
+                    <a:lumMod val="95000"/>
+                  </a:schemeClr>
+                </a:solidFill>
+                <a:hlinkClick r:id="rId4">
+                  <a:extLst>
+                    <a:ext uri="{A12FA001-AC4F-418D-AE19-62706E023703}">
+                      <ahyp:hlinkClr xmlns:ahyp="http://schemas.microsoft.com/office/drawing/2018/hyperlinkcolor" val="tx"/>
+                    </a:ext>
+                  </a:extLst>
+                </a:hlinkClick>
+              </a:rPr>
+            </a:br>
+            <a:br>
+              <a:rPr lang="en-US" sz="2400" dirty="0">
+                <a:solidFill>
+                  <a:srgbClr val="0000FF"/>
+                </a:solidFill>
+                <a:hlinkClick r:id="rId4">
+                  <a:extLst>
+                    <a:ext uri="{A12FA001-AC4F-418D-AE19-62706E023703}">
+                      <ahyp:hlinkClr xmlns:ahyp="http://schemas.microsoft.com/office/drawing/2018/hyperlinkcolor" val="tx"/>
+                    </a:ext>
+                  </a:extLst>
+                </a:hlinkClick>
+              </a:rPr>
+            </a:br>
+            <a:r>
+              <a:rPr lang="en-US" sz="2400" dirty="0">
+                <a:solidFill>
+                  <a:srgbClr val="FF0000"/>
+                </a:solidFill>
+                <a:hlinkClick r:id="rId4">
+                  <a:extLst>
+                    <a:ext uri="{A12FA001-AC4F-418D-AE19-62706E023703}">
+                      <ahyp:hlinkClr xmlns:ahyp="http://schemas.microsoft.com/office/drawing/2018/hyperlinkcolor" val="tx"/>
+                    </a:ext>
+                  </a:extLst>
+                </a:hlinkClick>
+              </a:rPr>
+              <a:t>https://www.kaggle.com/datasets/tapakah68/emotions-on-audio-dataset?resource=download</a:t>
+            </a:r>
+            <a:endParaRPr lang="en-US" sz="2400" dirty="0">
+              <a:solidFill>
+                <a:srgbClr val="FF0000"/>
+              </a:solidFill>
+            </a:endParaRPr>
+          </a:p>
+        </p:txBody>
+      </p:sp>
+      <p:pic>
+        <p:nvPicPr>
+          <p:cNvPr id="6" name="Picture 5">
+            <a:extLst>
+              <a:ext uri="{FF2B5EF4-FFF2-40B4-BE49-F238E27FC236}">
+                <a16:creationId xmlns:a16="http://schemas.microsoft.com/office/drawing/2014/main" id="{395E824E-9F06-4438-B8FE-E9AD03A6E9EB}"/>
+              </a:ext>
+            </a:extLst>
+          </p:cNvPr>
+          <p:cNvPicPr>
+            <a:picLocks noChangeAspect="1"/>
+          </p:cNvPicPr>
+          <p:nvPr/>
+        </p:nvPicPr>
+        <p:blipFill>
+          <a:blip r:embed="rId5"/>
+          <a:stretch>
+            <a:fillRect/>
+          </a:stretch>
+        </p:blipFill>
+        <p:spPr>
+          <a:xfrm>
+            <a:off x="564297" y="7223781"/>
+            <a:ext cx="5735653" cy="2595960"/>
+          </a:xfrm>
+          <a:prstGeom prst="rect">
+            <a:avLst/>
+          </a:prstGeom>
+        </p:spPr>
+      </p:pic>
+      <p:pic>
+        <p:nvPicPr>
+          <p:cNvPr id="1026" name="Picture 2">
+            <a:extLst>
+              <a:ext uri="{FF2B5EF4-FFF2-40B4-BE49-F238E27FC236}">
+                <a16:creationId xmlns:a16="http://schemas.microsoft.com/office/drawing/2014/main" id="{2D1B6522-6718-B820-0472-24F8FEC8B591}"/>
+              </a:ext>
+            </a:extLst>
+          </p:cNvPr>
+          <p:cNvPicPr>
+            <a:picLocks noChangeAspect="1" noChangeArrowheads="1"/>
+          </p:cNvPicPr>
+          <p:nvPr/>
+        </p:nvPicPr>
+        <p:blipFill>
+          <a:blip r:embed="rId6">
+            <a:extLst>
+              <a:ext uri="{28A0092B-C50C-407E-A947-70E740481C1C}">
+                <a14:useLocalDpi xmlns:a14="http://schemas.microsoft.com/office/drawing/2010/main" val="0"/>
+              </a:ext>
+            </a:extLst>
+          </a:blip>
+          <a:srcRect/>
+          <a:stretch>
+            <a:fillRect/>
+          </a:stretch>
+        </p:blipFill>
+        <p:spPr bwMode="auto">
+          <a:xfrm>
+            <a:off x="6930522" y="7285996"/>
+            <a:ext cx="8086725" cy="2238375"/>
+          </a:xfrm>
+          <a:prstGeom prst="rect">
+            <a:avLst/>
+          </a:prstGeom>
+          <a:noFill/>
+          <a:extLst>
+            <a:ext uri="{909E8E84-426E-40DD-AFC4-6F175D3DCCD1}">
+              <a14:hiddenFill xmlns:a14="http://schemas.microsoft.com/office/drawing/2010/main">
+                <a:solidFill>
+                  <a:srgbClr val="FFFFFF"/>
+                </a:solidFill>
+              </a14:hiddenFill>
+            </a:ext>
+          </a:extLst>
+        </p:spPr>
+      </p:pic>
     </p:spTree>
+    <p:extLst>
+      <p:ext uri="{BB962C8B-B14F-4D97-AF65-F5344CB8AC3E}">
+        <p14:creationId xmlns:p14="http://schemas.microsoft.com/office/powerpoint/2010/main" val="121687800"/>
+      </p:ext>
+    </p:extLst>
   </p:cSld>
   <p:clrMapOvr>
     <a:masterClrMapping/>
@@ -33825,7 +35484,7 @@
                 <a:cs typeface="Montserrat"/>
                 <a:sym typeface="Montserrat"/>
               </a:rPr>
-              <a:t>Why Choose the tiny Model?</a:t>
+              <a:t>Preprocessing dataset</a:t>
             </a:r>
           </a:p>
         </p:txBody>
@@ -35124,7 +36783,7 @@
         <p:spPr>
           <a:xfrm>
             <a:off x="665973" y="3300205"/>
-            <a:ext cx="12555604" cy="5262979"/>
+            <a:ext cx="12555604" cy="6001643"/>
           </a:xfrm>
           <a:prstGeom prst="rect">
             <a:avLst/>
@@ -35146,7 +36805,7 @@
                   <a:schemeClr val="bg1"/>
                 </a:solidFill>
               </a:rPr>
-              <a:t>Fast inference on CPU-only systems.</a:t>
+              <a:t>Used MFCC to convert from waveforms to model readable data.</a:t>
             </a:r>
           </a:p>
           <a:p>
@@ -35160,7 +36819,7 @@
                   <a:schemeClr val="bg1"/>
                 </a:solidFill>
               </a:rPr>
-              <a:t>Low memory footprint, suitable for classroom demos.</a:t>
+              <a:t>Added paddings as required.</a:t>
             </a:r>
           </a:p>
           <a:p>
@@ -35174,7 +36833,7 @@
                   <a:schemeClr val="bg1"/>
                 </a:solidFill>
               </a:rPr>
-              <a:t>Rapid iteration during development and testing.</a:t>
+              <a:t>Building vocabulary and preparing them into lists.</a:t>
             </a:r>
           </a:p>
           <a:p>
@@ -35188,7 +36847,23 @@
                   <a:schemeClr val="bg1"/>
                 </a:solidFill>
               </a:rPr>
-              <a:t>Acceptable accuracy for short, clear utterances.</a:t>
+              <a:t>Loading the data into batches for consistency with collate and wrapping with </a:t>
+            </a:r>
+            <a:r>
+              <a:rPr lang="en-US" sz="4800" dirty="0" err="1">
+                <a:solidFill>
+                  <a:schemeClr val="bg1"/>
+                </a:solidFill>
+              </a:rPr>
+              <a:t>dataloader</a:t>
+            </a:r>
+            <a:r>
+              <a:rPr lang="en-US" sz="4800" dirty="0">
+                <a:solidFill>
+                  <a:schemeClr val="bg1"/>
+                </a:solidFill>
+              </a:rPr>
+              <a:t> function.</a:t>
             </a:r>
           </a:p>
         </p:txBody>
@@ -35263,13 +36938,207 @@
       </p:grpSpPr>
       <p:sp>
         <p:nvSpPr>
+          <p:cNvPr id="152" name="Google Shape;152;p14"/>
+          <p:cNvSpPr/>
+          <p:nvPr/>
+        </p:nvSpPr>
+        <p:spPr>
+          <a:xfrm rot="-3278844">
+            <a:off x="-9770042" y="-5617846"/>
+            <a:ext cx="14357351" cy="9368172"/>
+          </a:xfrm>
+          <a:custGeom>
+            <a:avLst/>
+            <a:gdLst/>
+            <a:ahLst/>
+            <a:cxnLst/>
+            <a:rect l="l" t="t" r="r" b="b"/>
+            <a:pathLst>
+              <a:path w="14357351" h="9368172" extrusionOk="0">
+                <a:moveTo>
+                  <a:pt x="0" y="0"/>
+                </a:moveTo>
+                <a:lnTo>
+                  <a:pt x="14357352" y="0"/>
+                </a:lnTo>
+                <a:lnTo>
+                  <a:pt x="14357352" y="9368172"/>
+                </a:lnTo>
+                <a:lnTo>
+                  <a:pt x="0" y="9368172"/>
+                </a:lnTo>
+                <a:lnTo>
+                  <a:pt x="0" y="0"/>
+                </a:lnTo>
+                <a:close/>
+              </a:path>
+            </a:pathLst>
+          </a:custGeom>
+          <a:blipFill rotWithShape="1">
+            <a:blip r:embed="rId3">
+              <a:alphaModFix amt="19999"/>
+            </a:blip>
+            <a:stretch>
+              <a:fillRect/>
+            </a:stretch>
+          </a:blipFill>
+          <a:ln>
+            <a:noFill/>
+          </a:ln>
+        </p:spPr>
+      </p:sp>
+      <p:sp>
+        <p:nvSpPr>
+          <p:cNvPr id="153" name="Google Shape;153;p14"/>
+          <p:cNvSpPr txBox="1"/>
+          <p:nvPr/>
+        </p:nvSpPr>
+        <p:spPr>
+          <a:xfrm>
+            <a:off x="1277817" y="575661"/>
+            <a:ext cx="15817087" cy="1231106"/>
+          </a:xfrm>
+          <a:prstGeom prst="rect">
+            <a:avLst/>
+          </a:prstGeom>
+          <a:noFill/>
+          <a:ln>
+            <a:noFill/>
+          </a:ln>
+        </p:spPr>
+        <p:txBody>
+          <a:bodyPr spcFirstLastPara="1" wrap="square" lIns="0" tIns="0" rIns="0" bIns="0" anchor="t" anchorCtr="0">
+            <a:spAutoFit/>
+          </a:bodyPr>
+          <a:lstStyle/>
+          <a:p>
+            <a:pPr lvl="0"/>
+            <a:r>
+              <a:rPr lang="en-US" sz="8000" b="1" dirty="0">
+                <a:solidFill>
+                  <a:schemeClr val="accent3"/>
+                </a:solidFill>
+                <a:latin typeface="Montserrat"/>
+                <a:ea typeface="Montserrat"/>
+                <a:cs typeface="Montserrat"/>
+                <a:sym typeface="Montserrat"/>
+              </a:rPr>
+              <a:t>Model Details</a:t>
+            </a:r>
+          </a:p>
+        </p:txBody>
+      </p:sp>
+      <p:grpSp>
+        <p:nvGrpSpPr>
+          <p:cNvPr id="157" name="Google Shape;157;p14"/>
+          <p:cNvGrpSpPr/>
+          <p:nvPr/>
+        </p:nvGrpSpPr>
+        <p:grpSpPr>
+          <a:xfrm>
+            <a:off x="6895940" y="3993901"/>
+            <a:ext cx="5141250" cy="1092252"/>
+            <a:chOff x="0" y="-28575"/>
+            <a:chExt cx="6855000" cy="1456336"/>
+          </a:xfrm>
+        </p:grpSpPr>
+        <p:sp>
+          <p:nvSpPr>
+            <p:cNvPr id="158" name="Google Shape;158;p14"/>
+            <p:cNvSpPr txBox="1"/>
+            <p:nvPr/>
+          </p:nvSpPr>
+          <p:spPr>
+            <a:xfrm>
+              <a:off x="0" y="1097414"/>
+              <a:ext cx="6425400" cy="330347"/>
+            </a:xfrm>
+            <a:prstGeom prst="rect">
+              <a:avLst/>
+            </a:prstGeom>
+            <a:noFill/>
+            <a:ln>
+              <a:noFill/>
+            </a:ln>
+          </p:spPr>
+          <p:txBody>
+            <a:bodyPr spcFirstLastPara="1" wrap="square" lIns="0" tIns="0" rIns="0" bIns="0" anchor="t" anchorCtr="0">
+              <a:spAutoFit/>
+            </a:bodyPr>
+            <a:lstStyle/>
+            <a:p>
+              <a:pPr marL="453392" marR="0" lvl="1" indent="-226696" algn="l" rtl="0">
+                <a:lnSpc>
+                  <a:spcPct val="115000"/>
+                </a:lnSpc>
+                <a:spcBef>
+                  <a:spcPts val="0"/>
+                </a:spcBef>
+                <a:spcAft>
+                  <a:spcPts val="0"/>
+                </a:spcAft>
+                <a:buClr>
+                  <a:srgbClr val="FFFFFF"/>
+                </a:buClr>
+                <a:buSzPts val="2100"/>
+                <a:buFont typeface="Arial"/>
+                <a:buChar char="•"/>
+              </a:pPr>
+              <a:endParaRPr dirty="0"/>
+            </a:p>
+          </p:txBody>
+        </p:sp>
+        <p:sp>
+          <p:nvSpPr>
+            <p:cNvPr id="159" name="Google Shape;159;p14"/>
+            <p:cNvSpPr txBox="1"/>
+            <p:nvPr/>
+          </p:nvSpPr>
+          <p:spPr>
+            <a:xfrm>
+              <a:off x="0" y="-28575"/>
+              <a:ext cx="6855000" cy="373436"/>
+            </a:xfrm>
+            <a:prstGeom prst="rect">
+              <a:avLst/>
+            </a:prstGeom>
+            <a:noFill/>
+            <a:ln>
+              <a:noFill/>
+            </a:ln>
+          </p:spPr>
+          <p:txBody>
+            <a:bodyPr spcFirstLastPara="1" wrap="square" lIns="0" tIns="0" rIns="0" bIns="0" anchor="t" anchorCtr="0">
+              <a:spAutoFit/>
+            </a:bodyPr>
+            <a:lstStyle/>
+            <a:p>
+              <a:pPr marL="0" marR="0" lvl="0" indent="0" algn="l" rtl="0">
+                <a:lnSpc>
+                  <a:spcPct val="130000"/>
+                </a:lnSpc>
+                <a:spcBef>
+                  <a:spcPts val="0"/>
+                </a:spcBef>
+                <a:spcAft>
+                  <a:spcPts val="0"/>
+                </a:spcAft>
+                <a:buNone/>
+              </a:pPr>
+              <a:endParaRPr b="1" dirty="0"/>
+            </a:p>
+          </p:txBody>
+        </p:sp>
+      </p:grpSp>
+      <p:sp>
+        <p:nvSpPr>
           <p:cNvPr id="160" name="Google Shape;160;p14"/>
           <p:cNvSpPr/>
           <p:nvPr/>
         </p:nvSpPr>
         <p:spPr>
           <a:xfrm rot="7599151">
-            <a:off x="11423302" y="4022635"/>
+            <a:off x="10996651" y="3239152"/>
             <a:ext cx="14357351" cy="9368172"/>
           </a:xfrm>
           <a:custGeom>
@@ -35314,13 +37183,115 @@
       </p:sp>
       <p:grpSp>
         <p:nvGrpSpPr>
+          <p:cNvPr id="161" name="Google Shape;161;p14"/>
+          <p:cNvGrpSpPr/>
+          <p:nvPr/>
+        </p:nvGrpSpPr>
+        <p:grpSpPr>
+          <a:xfrm>
+            <a:off x="12505645" y="3993901"/>
+            <a:ext cx="5141250" cy="1092252"/>
+            <a:chOff x="0" y="-28575"/>
+            <a:chExt cx="6855000" cy="1456336"/>
+          </a:xfrm>
+        </p:grpSpPr>
+        <p:sp>
+          <p:nvSpPr>
+            <p:cNvPr id="162" name="Google Shape;162;p14"/>
+            <p:cNvSpPr txBox="1"/>
+            <p:nvPr/>
+          </p:nvSpPr>
+          <p:spPr>
+            <a:xfrm>
+              <a:off x="0" y="1097414"/>
+              <a:ext cx="4766700" cy="330347"/>
+            </a:xfrm>
+            <a:prstGeom prst="rect">
+              <a:avLst/>
+            </a:prstGeom>
+            <a:noFill/>
+            <a:ln>
+              <a:noFill/>
+            </a:ln>
+          </p:spPr>
+          <p:txBody>
+            <a:bodyPr spcFirstLastPara="1" wrap="square" lIns="0" tIns="0" rIns="0" bIns="0" anchor="t" anchorCtr="0">
+              <a:spAutoFit/>
+            </a:bodyPr>
+            <a:lstStyle/>
+            <a:p>
+              <a:pPr marL="453392" marR="0" lvl="1" indent="-226696" algn="l" rtl="0">
+                <a:lnSpc>
+                  <a:spcPct val="115000"/>
+                </a:lnSpc>
+                <a:spcBef>
+                  <a:spcPts val="0"/>
+                </a:spcBef>
+                <a:spcAft>
+                  <a:spcPts val="0"/>
+                </a:spcAft>
+                <a:buClr>
+                  <a:srgbClr val="FFFFFF"/>
+                </a:buClr>
+                <a:buSzPts val="2100"/>
+                <a:buFont typeface="Arial"/>
+                <a:buChar char="•"/>
+              </a:pPr>
+              <a:endParaRPr dirty="0"/>
+            </a:p>
+          </p:txBody>
+        </p:sp>
+        <p:sp>
+          <p:nvSpPr>
+            <p:cNvPr id="163" name="Google Shape;163;p14"/>
+            <p:cNvSpPr txBox="1"/>
+            <p:nvPr/>
+          </p:nvSpPr>
+          <p:spPr>
+            <a:xfrm>
+              <a:off x="0" y="-28575"/>
+              <a:ext cx="6855000" cy="373436"/>
+            </a:xfrm>
+            <a:prstGeom prst="rect">
+              <a:avLst/>
+            </a:prstGeom>
+            <a:noFill/>
+            <a:ln>
+              <a:noFill/>
+            </a:ln>
+          </p:spPr>
+          <p:txBody>
+            <a:bodyPr spcFirstLastPara="1" wrap="square" lIns="0" tIns="0" rIns="0" bIns="0" anchor="t" anchorCtr="0">
+              <a:spAutoFit/>
+            </a:bodyPr>
+            <a:lstStyle/>
+            <a:p>
+              <a:pPr marL="0" marR="0" lvl="0" indent="0" algn="l" rtl="0">
+                <a:lnSpc>
+                  <a:spcPct val="130000"/>
+                </a:lnSpc>
+                <a:spcBef>
+                  <a:spcPts val="0"/>
+                </a:spcBef>
+                <a:spcAft>
+                  <a:spcPts val="0"/>
+                </a:spcAft>
+                <a:buNone/>
+              </a:pPr>
+              <a:endParaRPr b="1" dirty="0"/>
+            </a:p>
+          </p:txBody>
+        </p:sp>
+      </p:grpSp>
+      <p:grpSp>
+        <p:nvGrpSpPr>
           <p:cNvPr id="164" name="Google Shape;164;p14"/>
           <p:cNvGrpSpPr/>
           <p:nvPr/>
         </p:nvGrpSpPr>
         <p:grpSpPr>
           <a:xfrm>
-            <a:off x="12217597" y="936876"/>
+            <a:off x="14661611" y="1978963"/>
             <a:ext cx="1875026" cy="1989564"/>
             <a:chOff x="0" y="-122432"/>
             <a:chExt cx="2500034" cy="2652752"/>
@@ -36338,10 +38309,10 @@
       </p:grpSp>
       <p:sp>
         <p:nvSpPr>
-          <p:cNvPr id="5" name="Rectangle 4">
+          <p:cNvPr id="2" name="Rectangle 1">
             <a:extLst>
               <a:ext uri="{FF2B5EF4-FFF2-40B4-BE49-F238E27FC236}">
-                <a16:creationId xmlns:a16="http://schemas.microsoft.com/office/drawing/2014/main" id="{DAA86919-7B3F-48A2-9D11-29E0C3566760}"/>
+                <a16:creationId xmlns:a16="http://schemas.microsoft.com/office/drawing/2014/main" id="{51CEAFF5-9EEB-433F-8B99-2FDA572BE6DD}"/>
               </a:ext>
             </a:extLst>
           </p:cNvPr>
@@ -36350,8 +38321,8 @@
         </p:nvSpPr>
         <p:spPr>
           <a:xfrm>
-            <a:off x="406911" y="3190820"/>
-            <a:ext cx="13473412" cy="6001643"/>
+            <a:off x="665973" y="3300204"/>
+            <a:ext cx="11301119" cy="5632311"/>
           </a:xfrm>
           <a:prstGeom prst="rect">
             <a:avLst/>
@@ -36364,107 +38335,134 @@
           <a:lstStyle/>
           <a:p>
             <a:pPr marL="685800" indent="-685800">
-              <a:buFont typeface="Arial" panose="020B0604020202020204" pitchFamily="34" charset="0"/>
-              <a:buChar char="•"/>
+              <a:buFont typeface="Wingdings" pitchFamily="2" charset="2"/>
+              <a:buChar char="§"/>
             </a:pPr>
             <a:r>
-              <a:rPr lang="en-US" sz="4800" dirty="0">
+              <a:rPr lang="en-US" sz="6000" dirty="0">
                 <a:solidFill>
                   <a:schemeClr val="bg1"/>
                 </a:solidFill>
               </a:rPr>
-              <a:t>Google Colab:  Use </a:t>
+              <a:t>Two 1d convolution layers.</a:t>
             </a:r>
+          </a:p>
+          <a:p>
+            <a:pPr marL="685800" indent="-685800">
+              <a:buFont typeface="Wingdings" pitchFamily="2" charset="2"/>
+              <a:buChar char="§"/>
+            </a:pPr>
             <a:r>
-              <a:rPr lang="en-US" sz="4800" dirty="0" err="1">
+              <a:rPr lang="en-US" sz="6000" dirty="0" err="1">
                 <a:solidFill>
                   <a:schemeClr val="bg1"/>
                 </a:solidFill>
               </a:rPr>
-              <a:t>files.upload</a:t>
+              <a:t>ReLU</a:t>
             </a:r>
             <a:r>
-              <a:rPr lang="en-US" sz="4800" dirty="0">
+              <a:rPr lang="en-US" sz="6000" dirty="0">
                 <a:solidFill>
                   <a:schemeClr val="bg1"/>
                 </a:solidFill>
               </a:rPr>
-              <a:t>() to import .wav or .mp3 files.</a:t>
+              <a:t> to add non linearity.</a:t>
             </a:r>
           </a:p>
           <a:p>
-            <a:pPr marL="571500" indent="-571500">
-              <a:buFont typeface="Arial" panose="020B0604020202020204" pitchFamily="34" charset="0"/>
-              <a:buChar char="•"/>
+            <a:pPr marL="685800" indent="-685800">
+              <a:buFont typeface="Wingdings" pitchFamily="2" charset="2"/>
+              <a:buChar char="§"/>
             </a:pPr>
             <a:r>
-              <a:rPr lang="en-US" sz="4800" dirty="0">
+              <a:rPr lang="en-US" sz="6000" dirty="0">
                 <a:solidFill>
                   <a:schemeClr val="bg1"/>
                 </a:solidFill>
               </a:rPr>
-              <a:t>Local Machine:  Record live audio for 5 seconds using the sound device and save as recorded.wav.</a:t>
+              <a:t>Transpose to LTSM (2 dim)</a:t>
             </a:r>
           </a:p>
           <a:p>
-            <a:pPr marL="571500" indent="-571500">
-              <a:buFont typeface="Arial" panose="020B0604020202020204" pitchFamily="34" charset="0"/>
-              <a:buChar char="•"/>
+            <a:pPr marL="685800" indent="-685800">
+              <a:buFont typeface="Wingdings" pitchFamily="2" charset="2"/>
+              <a:buChar char="§"/>
             </a:pPr>
             <a:r>
-              <a:rPr lang="en-US" sz="4800" dirty="0">
+              <a:rPr lang="en-US" sz="6000" dirty="0">
                 <a:solidFill>
                   <a:schemeClr val="bg1"/>
                 </a:solidFill>
               </a:rPr>
-              <a:t>Fallback Logic: Notebook detects the environment and switches between upload and recording.</a:t>
+              <a:t>We apply Log-</a:t>
+            </a:r>
+            <a:r>
+              <a:rPr lang="en-US" altLang="ja-JP" sz="6000" dirty="0" err="1">
+                <a:solidFill>
+                  <a:schemeClr val="bg1"/>
+                </a:solidFill>
+              </a:rPr>
+              <a:t>softmax</a:t>
+            </a:r>
+            <a:r>
+              <a:rPr lang="en-US" sz="6000" dirty="0">
+                <a:solidFill>
+                  <a:schemeClr val="bg1"/>
+                </a:solidFill>
+              </a:rPr>
+              <a:t> to the out.</a:t>
+            </a:r>
+          </a:p>
+          <a:p>
+            <a:pPr marL="685800" indent="-685800">
+              <a:buFont typeface="Wingdings" pitchFamily="2" charset="2"/>
+              <a:buChar char="§"/>
+            </a:pPr>
+            <a:r>
+              <a:rPr lang="en-US" sz="6000" dirty="0">
+                <a:solidFill>
+                  <a:schemeClr val="bg1"/>
+                </a:solidFill>
+              </a:rPr>
+              <a:t>Trained for 10 epochs</a:t>
             </a:r>
           </a:p>
         </p:txBody>
       </p:sp>
-      <p:sp>
-        <p:nvSpPr>
-          <p:cNvPr id="3" name="TextBox 2">
+      <p:pic>
+        <p:nvPicPr>
+          <p:cNvPr id="10" name="Picture 9">
             <a:extLst>
               <a:ext uri="{FF2B5EF4-FFF2-40B4-BE49-F238E27FC236}">
-                <a16:creationId xmlns:a16="http://schemas.microsoft.com/office/drawing/2014/main" id="{FB86EAE7-1736-C505-2FBB-9A20CE0A125D}"/>
+                <a16:creationId xmlns:a16="http://schemas.microsoft.com/office/drawing/2014/main" id="{DBDEE952-E4E3-47AC-B7AD-6F6FC68ADEB1}"/>
               </a:ext>
             </a:extLst>
           </p:cNvPr>
-          <p:cNvSpPr txBox="1"/>
+          <p:cNvPicPr>
+            <a:picLocks noChangeAspect="1"/>
+          </p:cNvPicPr>
           <p:nvPr/>
-        </p:nvSpPr>
+        </p:nvPicPr>
+        <p:blipFill>
+          <a:blip r:embed="rId4"/>
+          <a:stretch>
+            <a:fillRect/>
+          </a:stretch>
+        </p:blipFill>
         <p:spPr>
           <a:xfrm>
-            <a:off x="551949" y="1049437"/>
-            <a:ext cx="13328374" cy="1384995"/>
+            <a:off x="13333187" y="4799129"/>
+            <a:ext cx="4842139" cy="2723703"/>
           </a:xfrm>
           <a:prstGeom prst="rect">
             <a:avLst/>
           </a:prstGeom>
-          <a:noFill/>
         </p:spPr>
-        <p:txBody>
-          <a:bodyPr wrap="square">
-            <a:spAutoFit/>
-          </a:bodyPr>
-          <a:lstStyle/>
-          <a:p>
-            <a:r>
-              <a:rPr lang="en-US" sz="8400" dirty="0">
-                <a:solidFill>
-                  <a:schemeClr val="accent3"/>
-                </a:solidFill>
-              </a:rPr>
-              <a:t>Audio Input Handling</a:t>
-            </a:r>
-          </a:p>
-        </p:txBody>
-      </p:sp>
+      </p:pic>
     </p:spTree>
     <p:extLst>
       <p:ext uri="{BB962C8B-B14F-4D97-AF65-F5344CB8AC3E}">
-        <p14:creationId xmlns:p14="http://schemas.microsoft.com/office/powerpoint/2010/main" val="2924726163"/>
+        <p14:creationId xmlns:p14="http://schemas.microsoft.com/office/powerpoint/2010/main" val="1577284292"/>
       </p:ext>
     </p:extLst>
   </p:cSld>
